--- a/sample/kubernetes/Bring your own device - Vorbereitung.pptx
+++ b/sample/kubernetes/Bring your own device - Vorbereitung.pptx
@@ -5,15 +5,16 @@
     <p:sldMasterId id="2147483648" r:id="rId1"/>
   </p:sldMasterIdLst>
   <p:notesMasterIdLst>
-    <p:notesMasterId r:id="rId8"/>
+    <p:notesMasterId r:id="rId9"/>
   </p:notesMasterIdLst>
   <p:sldIdLst>
     <p:sldId id="256" r:id="rId2"/>
     <p:sldId id="257" r:id="rId3"/>
-    <p:sldId id="260" r:id="rId4"/>
-    <p:sldId id="265" r:id="rId5"/>
-    <p:sldId id="268" r:id="rId6"/>
-    <p:sldId id="273" r:id="rId7"/>
+    <p:sldId id="274" r:id="rId4"/>
+    <p:sldId id="260" r:id="rId5"/>
+    <p:sldId id="265" r:id="rId6"/>
+    <p:sldId id="268" r:id="rId7"/>
+    <p:sldId id="273" r:id="rId8"/>
   </p:sldIdLst>
   <p:sldSz cx="12192000" cy="6858000"/>
   <p:notesSz cx="6858000" cy="9144000"/>
@@ -3953,41 +3954,198 @@
           <a:p>
             <a:r>
               <a:rPr lang="de-DE" dirty="0"/>
-              <a:t>Zur Vorbereitung an der Teilnahme bitte die folgenden Anweisungen ausführen!</a:t>
-            </a:r>
-          </a:p>
-          <a:p>
-            <a:endParaRPr lang="de-DE" dirty="0"/>
-          </a:p>
-          <a:p>
+              <a:t>Zur Vorbereitung an der Teilnahme bitte die folgenden Anweisungen ausführen:</a:t>
+            </a:r>
+          </a:p>
+          <a:p>
+            <a:pPr lvl="1"/>
             <a:r>
               <a:rPr lang="de-DE" dirty="0"/>
-              <a:t>Download: </a:t>
+              <a:t>Postman installieren: </a:t>
             </a:r>
             <a:r>
               <a:rPr lang="de-DE" dirty="0">
                 <a:hlinkClick r:id="rId2"/>
               </a:rPr>
-              <a:t>https://multipass.run/install</a:t>
+              <a:t>https://www.postman.com/</a:t>
             </a:r>
             <a:endParaRPr lang="de-DE" dirty="0"/>
           </a:p>
           <a:p>
             <a:pPr lvl="1"/>
             <a:r>
+              <a:rPr lang="de-DE" dirty="0" err="1"/>
+              <a:t>java</a:t>
+            </a:r>
+            <a:r>
               <a:rPr lang="de-DE" dirty="0"/>
-              <a:t>Bitte runterladen und installieren!</a:t>
-            </a:r>
+              <a:t>-starter </a:t>
+            </a:r>
+            <a:r>
+              <a:rPr lang="de-DE" dirty="0" err="1"/>
+              <a:t>repository</a:t>
+            </a:r>
+            <a:r>
+              <a:rPr lang="de-DE" dirty="0"/>
+              <a:t> klonen: </a:t>
+            </a:r>
+          </a:p>
+          <a:p>
+            <a:pPr marL="0" indent="0">
+              <a:buNone/>
+            </a:pPr>
+            <a:r>
+              <a:rPr lang="de-DE" sz="2000" dirty="0">
+                <a:latin typeface="Courier New" panose="02070309020205020404" pitchFamily="49" charset="0"/>
+                <a:cs typeface="Courier New" panose="02070309020205020404" pitchFamily="49" charset="0"/>
+              </a:rPr>
+              <a:t>	</a:t>
+            </a:r>
+            <a:r>
+              <a:rPr lang="de-DE" sz="2000" dirty="0" err="1">
+                <a:latin typeface="Courier New" panose="02070309020205020404" pitchFamily="49" charset="0"/>
+                <a:cs typeface="Courier New" panose="02070309020205020404" pitchFamily="49" charset="0"/>
+              </a:rPr>
+              <a:t>git</a:t>
+            </a:r>
+            <a:r>
+              <a:rPr lang="de-DE" sz="2000" dirty="0">
+                <a:latin typeface="Courier New" panose="02070309020205020404" pitchFamily="49" charset="0"/>
+                <a:cs typeface="Courier New" panose="02070309020205020404" pitchFamily="49" charset="0"/>
+              </a:rPr>
+              <a:t> </a:t>
+            </a:r>
+            <a:r>
+              <a:rPr lang="de-DE" sz="2000" dirty="0" err="1">
+                <a:latin typeface="Courier New" panose="02070309020205020404" pitchFamily="49" charset="0"/>
+                <a:cs typeface="Courier New" panose="02070309020205020404" pitchFamily="49" charset="0"/>
+              </a:rPr>
+              <a:t>clone</a:t>
+            </a:r>
+            <a:r>
+              <a:rPr lang="de-DE" sz="2000" dirty="0">
+                <a:latin typeface="Courier New" panose="02070309020205020404" pitchFamily="49" charset="0"/>
+                <a:cs typeface="Courier New" panose="02070309020205020404" pitchFamily="49" charset="0"/>
+              </a:rPr>
+              <a:t> </a:t>
+            </a:r>
+            <a:r>
+              <a:rPr lang="de-DE" sz="2000" dirty="0">
+                <a:latin typeface="Courier New" panose="02070309020205020404" pitchFamily="49" charset="0"/>
+                <a:cs typeface="Courier New" panose="02070309020205020404" pitchFamily="49" charset="0"/>
+                <a:hlinkClick r:id="rId3"/>
+              </a:rPr>
+              <a:t>git@bitbucket.org:conciso/java-starter.git</a:t>
+            </a:r>
+            <a:endParaRPr lang="de-DE" sz="2000" dirty="0">
+              <a:latin typeface="Courier New" panose="02070309020205020404" pitchFamily="49" charset="0"/>
+              <a:cs typeface="Courier New" panose="02070309020205020404" pitchFamily="49" charset="0"/>
+            </a:endParaRPr>
           </a:p>
           <a:p>
             <a:pPr lvl="1"/>
+            <a:r>
+              <a:rPr lang="de-DE" dirty="0"/>
+              <a:t>Der im </a:t>
+            </a:r>
+            <a:r>
+              <a:rPr lang="de-DE" dirty="0" err="1"/>
+              <a:t>Bitbucket</a:t>
+            </a:r>
+            <a:r>
+              <a:rPr lang="de-DE" dirty="0"/>
+              <a:t> hinterlegte </a:t>
+            </a:r>
+            <a:r>
+              <a:rPr lang="de-DE" dirty="0" err="1"/>
+              <a:t>public</a:t>
+            </a:r>
+            <a:r>
+              <a:rPr lang="de-DE" dirty="0"/>
+              <a:t> SSH-Key wird benötigt</a:t>
+            </a:r>
+          </a:p>
+          <a:p>
+            <a:pPr lvl="2"/>
+            <a:r>
+              <a:rPr lang="de-DE" dirty="0"/>
+              <a:t>Bitte dafür sorgen, dass </a:t>
+            </a:r>
+            <a:r>
+              <a:rPr lang="de-DE" dirty="0" err="1">
+                <a:latin typeface="Courier New" panose="02070309020205020404" pitchFamily="49" charset="0"/>
+                <a:cs typeface="Courier New" panose="02070309020205020404" pitchFamily="49" charset="0"/>
+              </a:rPr>
+              <a:t>ssh</a:t>
+            </a:r>
+            <a:r>
+              <a:rPr lang="de-DE" dirty="0"/>
+              <a:t> aus einem Terminal genutzt </a:t>
+            </a:r>
+            <a:r>
+              <a:rPr lang="de-DE"/>
+              <a:t>werden kann!</a:t>
+            </a:r>
             <a:endParaRPr lang="de-DE" dirty="0"/>
           </a:p>
           <a:p>
+            <a:pPr lvl="2"/>
             <a:r>
               <a:rPr lang="de-DE" dirty="0"/>
-              <a:t>Ab hier gilt: alle gezeigten Kommandos werden in einem Terminal eingegeben!</a:t>
-            </a:r>
+              <a:t>Wenn man das obige </a:t>
+            </a:r>
+            <a:r>
+              <a:rPr lang="de-DE" dirty="0" err="1">
+                <a:latin typeface="Courier New" panose="02070309020205020404" pitchFamily="49" charset="0"/>
+                <a:cs typeface="Courier New" panose="02070309020205020404" pitchFamily="49" charset="0"/>
+              </a:rPr>
+              <a:t>git</a:t>
+            </a:r>
+            <a:r>
+              <a:rPr lang="de-DE" dirty="0">
+                <a:latin typeface="Courier New" panose="02070309020205020404" pitchFamily="49" charset="0"/>
+                <a:cs typeface="Courier New" panose="02070309020205020404" pitchFamily="49" charset="0"/>
+              </a:rPr>
+              <a:t> </a:t>
+            </a:r>
+            <a:r>
+              <a:rPr lang="de-DE" dirty="0" err="1">
+                <a:latin typeface="Courier New" panose="02070309020205020404" pitchFamily="49" charset="0"/>
+                <a:cs typeface="Courier New" panose="02070309020205020404" pitchFamily="49" charset="0"/>
+              </a:rPr>
+              <a:t>clone</a:t>
+            </a:r>
+            <a:r>
+              <a:rPr lang="de-DE" dirty="0"/>
+              <a:t>-Kommando erfolgreich in einem Terminal ausführen kann, ist das korrekt eingerichtet</a:t>
+            </a:r>
+          </a:p>
+          <a:p>
+            <a:pPr lvl="2"/>
+            <a:r>
+              <a:rPr lang="de-DE" dirty="0"/>
+              <a:t>Hinweis für Windows-Nutzer: die </a:t>
+            </a:r>
+            <a:r>
+              <a:rPr lang="de-DE" dirty="0" err="1"/>
+              <a:t>Git</a:t>
+            </a:r>
+            <a:r>
+              <a:rPr lang="de-DE" dirty="0"/>
+              <a:t> bash kann hier sehr hilfreich sein (</a:t>
+            </a:r>
+            <a:r>
+              <a:rPr lang="de-DE" dirty="0">
+                <a:hlinkClick r:id="rId4"/>
+              </a:rPr>
+              <a:t>https://gitforwindows.org/</a:t>
+            </a:r>
+            <a:r>
+              <a:rPr lang="de-DE" dirty="0"/>
+              <a:t>)</a:t>
+            </a:r>
+          </a:p>
+          <a:p>
             <a:endParaRPr lang="de-DE" dirty="0">
               <a:latin typeface="Courier New" panose="02070309020205020404" pitchFamily="49" charset="0"/>
               <a:cs typeface="Courier New" panose="02070309020205020404" pitchFamily="49" charset="0"/>
@@ -4030,7 +4188,7 @@
           <p:cNvPr id="2" name="Titel 1">
             <a:extLst>
               <a:ext uri="{FF2B5EF4-FFF2-40B4-BE49-F238E27FC236}">
-                <a16:creationId xmlns:a16="http://schemas.microsoft.com/office/drawing/2014/main" id="{54472761-F6BA-A4DF-6E97-094AE60B729E}"/>
+                <a16:creationId xmlns:a16="http://schemas.microsoft.com/office/drawing/2014/main" id="{6771848D-1E70-E48B-5C6D-951BC6041598}"/>
               </a:ext>
             </a:extLst>
           </p:cNvPr>
@@ -4058,7 +4216,7 @@
           <p:cNvPr id="3" name="Inhaltsplatzhalter 2">
             <a:extLst>
               <a:ext uri="{FF2B5EF4-FFF2-40B4-BE49-F238E27FC236}">
-                <a16:creationId xmlns:a16="http://schemas.microsoft.com/office/drawing/2014/main" id="{A6C84D30-D395-411D-5201-F8BC8F103909}"/>
+                <a16:creationId xmlns:a16="http://schemas.microsoft.com/office/drawing/2014/main" id="{C6B47590-B943-D19C-BC30-9C11A54E6BFE}"/>
               </a:ext>
             </a:extLst>
           </p:cNvPr>
@@ -4073,6 +4231,26 @@
         <p:txBody>
           <a:bodyPr/>
           <a:lstStyle/>
+          <a:p>
+            <a:r>
+              <a:rPr lang="de-DE" dirty="0"/>
+              <a:t>Download: </a:t>
+            </a:r>
+            <a:r>
+              <a:rPr lang="de-DE" dirty="0">
+                <a:hlinkClick r:id="rId2"/>
+              </a:rPr>
+              <a:t>https://multipass.run/install</a:t>
+            </a:r>
+            <a:endParaRPr lang="de-DE" dirty="0"/>
+          </a:p>
+          <a:p>
+            <a:pPr lvl="1"/>
+            <a:r>
+              <a:rPr lang="de-DE" dirty="0"/>
+              <a:t>Bitte runterladen und installieren!</a:t>
+            </a:r>
+          </a:p>
           <a:p>
             <a:pPr lvl="1"/>
             <a:endParaRPr lang="de-DE" dirty="0"/>
@@ -4080,149 +4258,19 @@
           <a:p>
             <a:r>
               <a:rPr lang="de-DE" dirty="0"/>
-              <a:t>Virtuelle Maschinen erstellen und starten</a:t>
-            </a:r>
-          </a:p>
-          <a:p>
-            <a:pPr marL="457200" lvl="1" indent="0">
-              <a:buNone/>
-            </a:pPr>
-            <a:r>
-              <a:rPr lang="de-DE" dirty="0">
-                <a:latin typeface="Courier New" panose="02070309020205020404" pitchFamily="49" charset="0"/>
-                <a:cs typeface="Courier New" panose="02070309020205020404" pitchFamily="49" charset="0"/>
-              </a:rPr>
-              <a:t>multipass launch --name </a:t>
-            </a:r>
-            <a:r>
-              <a:rPr lang="de-DE" dirty="0" err="1">
-                <a:latin typeface="Courier New" panose="02070309020205020404" pitchFamily="49" charset="0"/>
-                <a:cs typeface="Courier New" panose="02070309020205020404" pitchFamily="49" charset="0"/>
-              </a:rPr>
-              <a:t>master</a:t>
-            </a:r>
-            <a:r>
-              <a:rPr lang="de-DE" dirty="0">
-                <a:latin typeface="Courier New" panose="02070309020205020404" pitchFamily="49" charset="0"/>
-                <a:cs typeface="Courier New" panose="02070309020205020404" pitchFamily="49" charset="0"/>
-              </a:rPr>
-              <a:t> --</a:t>
-            </a:r>
-            <a:r>
-              <a:rPr lang="de-DE" dirty="0" err="1">
-                <a:latin typeface="Courier New" panose="02070309020205020404" pitchFamily="49" charset="0"/>
-                <a:cs typeface="Courier New" panose="02070309020205020404" pitchFamily="49" charset="0"/>
-              </a:rPr>
-              <a:t>cpus</a:t>
-            </a:r>
-            <a:r>
-              <a:rPr lang="de-DE" dirty="0">
-                <a:latin typeface="Courier New" panose="02070309020205020404" pitchFamily="49" charset="0"/>
-                <a:cs typeface="Courier New" panose="02070309020205020404" pitchFamily="49" charset="0"/>
-              </a:rPr>
-              <a:t> 2 --memory 4G --disk 20G </a:t>
-            </a:r>
-            <a:r>
-              <a:rPr lang="de-DE" dirty="0" err="1">
-                <a:latin typeface="Courier New" panose="02070309020205020404" pitchFamily="49" charset="0"/>
-                <a:cs typeface="Courier New" panose="02070309020205020404" pitchFamily="49" charset="0"/>
-              </a:rPr>
-              <a:t>lts</a:t>
+              <a:t>Ab hier gilt: alle gezeigten Kommandos werden in einem Terminal eingegeben!</a:t>
             </a:r>
             <a:endParaRPr lang="de-DE" dirty="0">
               <a:latin typeface="Courier New" panose="02070309020205020404" pitchFamily="49" charset="0"/>
               <a:cs typeface="Courier New" panose="02070309020205020404" pitchFamily="49" charset="0"/>
             </a:endParaRPr>
           </a:p>
-          <a:p>
-            <a:pPr marL="457200" lvl="1" indent="0">
-              <a:buNone/>
-            </a:pPr>
-            <a:r>
-              <a:rPr lang="de-DE" dirty="0">
-                <a:latin typeface="Courier New" panose="02070309020205020404" pitchFamily="49" charset="0"/>
-                <a:cs typeface="Courier New" panose="02070309020205020404" pitchFamily="49" charset="0"/>
-              </a:rPr>
-              <a:t>multipass launch --name worker1 --</a:t>
-            </a:r>
-            <a:r>
-              <a:rPr lang="de-DE" dirty="0" err="1">
-                <a:latin typeface="Courier New" panose="02070309020205020404" pitchFamily="49" charset="0"/>
-                <a:cs typeface="Courier New" panose="02070309020205020404" pitchFamily="49" charset="0"/>
-              </a:rPr>
-              <a:t>cpus</a:t>
-            </a:r>
-            <a:r>
-              <a:rPr lang="de-DE" dirty="0">
-                <a:latin typeface="Courier New" panose="02070309020205020404" pitchFamily="49" charset="0"/>
-                <a:cs typeface="Courier New" panose="02070309020205020404" pitchFamily="49" charset="0"/>
-              </a:rPr>
-              <a:t> 2 --memory 4G --disk 20G </a:t>
-            </a:r>
-            <a:r>
-              <a:rPr lang="de-DE" dirty="0" err="1">
-                <a:latin typeface="Courier New" panose="02070309020205020404" pitchFamily="49" charset="0"/>
-                <a:cs typeface="Courier New" panose="02070309020205020404" pitchFamily="49" charset="0"/>
-              </a:rPr>
-              <a:t>lts</a:t>
-            </a:r>
-            <a:endParaRPr lang="de-DE" dirty="0">
-              <a:latin typeface="Courier New" panose="02070309020205020404" pitchFamily="49" charset="0"/>
-              <a:cs typeface="Courier New" panose="02070309020205020404" pitchFamily="49" charset="0"/>
-            </a:endParaRPr>
-          </a:p>
-          <a:p>
-            <a:pPr marL="457200" lvl="1" indent="0">
-              <a:buNone/>
-            </a:pPr>
-            <a:r>
-              <a:rPr lang="de-DE" dirty="0">
-                <a:latin typeface="Courier New" panose="02070309020205020404" pitchFamily="49" charset="0"/>
-                <a:cs typeface="Courier New" panose="02070309020205020404" pitchFamily="49" charset="0"/>
-              </a:rPr>
-              <a:t>multipass launch --name worker2 --</a:t>
-            </a:r>
-            <a:r>
-              <a:rPr lang="de-DE" dirty="0" err="1">
-                <a:latin typeface="Courier New" panose="02070309020205020404" pitchFamily="49" charset="0"/>
-                <a:cs typeface="Courier New" panose="02070309020205020404" pitchFamily="49" charset="0"/>
-              </a:rPr>
-              <a:t>cpus</a:t>
-            </a:r>
-            <a:r>
-              <a:rPr lang="de-DE" dirty="0">
-                <a:latin typeface="Courier New" panose="02070309020205020404" pitchFamily="49" charset="0"/>
-                <a:cs typeface="Courier New" panose="02070309020205020404" pitchFamily="49" charset="0"/>
-              </a:rPr>
-              <a:t> 2 --memory 4G --disk 20G </a:t>
-            </a:r>
-            <a:r>
-              <a:rPr lang="de-DE" dirty="0" err="1">
-                <a:latin typeface="Courier New" panose="02070309020205020404" pitchFamily="49" charset="0"/>
-                <a:cs typeface="Courier New" panose="02070309020205020404" pitchFamily="49" charset="0"/>
-              </a:rPr>
-              <a:t>lts</a:t>
-            </a:r>
-            <a:endParaRPr lang="de-DE" dirty="0">
-              <a:latin typeface="Courier New" panose="02070309020205020404" pitchFamily="49" charset="0"/>
-              <a:cs typeface="Courier New" panose="02070309020205020404" pitchFamily="49" charset="0"/>
-            </a:endParaRPr>
-          </a:p>
-          <a:p>
-            <a:pPr marL="457200" lvl="1" indent="0">
-              <a:buNone/>
-            </a:pPr>
-            <a:endParaRPr lang="de-DE" dirty="0">
-              <a:latin typeface="Courier New" panose="02070309020205020404" pitchFamily="49" charset="0"/>
-              <a:cs typeface="Courier New" panose="02070309020205020404" pitchFamily="49" charset="0"/>
-            </a:endParaRPr>
-          </a:p>
         </p:txBody>
       </p:sp>
     </p:spTree>
     <p:extLst>
       <p:ext uri="{BB962C8B-B14F-4D97-AF65-F5344CB8AC3E}">
-        <p14:creationId xmlns:p14="http://schemas.microsoft.com/office/powerpoint/2010/main" val="972499456"/>
+        <p14:creationId xmlns:p14="http://schemas.microsoft.com/office/powerpoint/2010/main" val="2823778198"/>
       </p:ext>
     </p:extLst>
   </p:cSld>
@@ -4272,515 +4320,181 @@
           <a:p>
             <a:r>
               <a:rPr lang="de-DE" dirty="0"/>
-              <a:t>Master </a:t>
-            </a:r>
-            <a:r>
-              <a:rPr lang="de-DE" dirty="0" err="1"/>
-              <a:t>Node</a:t>
-            </a:r>
+              <a:t>Virtuelle Maschinen mit multipass</a:t>
+            </a:r>
+          </a:p>
+        </p:txBody>
+      </p:sp>
+      <p:sp>
+        <p:nvSpPr>
+          <p:cNvPr id="3" name="Inhaltsplatzhalter 2">
+            <a:extLst>
+              <a:ext uri="{FF2B5EF4-FFF2-40B4-BE49-F238E27FC236}">
+                <a16:creationId xmlns:a16="http://schemas.microsoft.com/office/drawing/2014/main" id="{A6C84D30-D395-411D-5201-F8BC8F103909}"/>
+              </a:ext>
+            </a:extLst>
+          </p:cNvPr>
+          <p:cNvSpPr>
+            <a:spLocks noGrp="1"/>
+          </p:cNvSpPr>
+          <p:nvPr>
+            <p:ph idx="1"/>
+          </p:nvPr>
+        </p:nvSpPr>
+        <p:spPr/>
+        <p:txBody>
+          <a:bodyPr/>
+          <a:lstStyle/>
+          <a:p>
+            <a:pPr lvl="1"/>
+            <a:endParaRPr lang="de-DE" dirty="0"/>
+          </a:p>
+          <a:p>
             <a:r>
               <a:rPr lang="de-DE" dirty="0"/>
-              <a:t> einrichten</a:t>
-            </a:r>
-          </a:p>
-        </p:txBody>
-      </p:sp>
-      <p:sp>
-        <p:nvSpPr>
-          <p:cNvPr id="3" name="Inhaltsplatzhalter 2">
-            <a:extLst>
-              <a:ext uri="{FF2B5EF4-FFF2-40B4-BE49-F238E27FC236}">
-                <a16:creationId xmlns:a16="http://schemas.microsoft.com/office/drawing/2014/main" id="{A6C84D30-D395-411D-5201-F8BC8F103909}"/>
-              </a:ext>
-            </a:extLst>
-          </p:cNvPr>
-          <p:cNvSpPr>
-            <a:spLocks noGrp="1"/>
-          </p:cNvSpPr>
-          <p:nvPr>
-            <p:ph idx="1"/>
-          </p:nvPr>
-        </p:nvSpPr>
-        <p:spPr/>
-        <p:txBody>
-          <a:bodyPr>
-            <a:normAutofit lnSpcReduction="10000"/>
-          </a:bodyPr>
-          <a:lstStyle/>
-          <a:p>
-            <a:r>
-              <a:rPr lang="de-DE" dirty="0"/>
-              <a:t>Software auf </a:t>
-            </a:r>
-            <a:r>
-              <a:rPr lang="de-DE" dirty="0" err="1"/>
+              <a:t>Virtuelle Maschinen erstellen und starten</a:t>
+            </a:r>
+          </a:p>
+          <a:p>
+            <a:pPr marL="457200" lvl="1" indent="0">
+              <a:buNone/>
+            </a:pPr>
+            <a:r>
+              <a:rPr lang="de-DE" dirty="0">
+                <a:latin typeface="Courier New" panose="02070309020205020404" pitchFamily="49" charset="0"/>
+                <a:cs typeface="Courier New" panose="02070309020205020404" pitchFamily="49" charset="0"/>
+              </a:rPr>
+              <a:t>multipass launch --name </a:t>
+            </a:r>
+            <a:r>
+              <a:rPr lang="de-DE" dirty="0" err="1">
+                <a:latin typeface="Courier New" panose="02070309020205020404" pitchFamily="49" charset="0"/>
+                <a:cs typeface="Courier New" panose="02070309020205020404" pitchFamily="49" charset="0"/>
+              </a:rPr>
               <a:t>master</a:t>
             </a:r>
             <a:r>
-              <a:rPr lang="de-DE" dirty="0"/>
-              <a:t> installieren:</a:t>
-            </a:r>
-          </a:p>
-          <a:p>
-            <a:pPr marL="0" indent="0">
-              <a:buNone/>
-            </a:pPr>
-            <a:r>
-              <a:rPr lang="de-DE" sz="2400" dirty="0">
-                <a:latin typeface="Courier New" panose="02070309020205020404" pitchFamily="49" charset="0"/>
-                <a:cs typeface="Courier New" panose="02070309020205020404" pitchFamily="49" charset="0"/>
-              </a:rPr>
-              <a:t>	multipass </a:t>
-            </a:r>
-            <a:r>
-              <a:rPr lang="de-DE" sz="2400" dirty="0" err="1">
-                <a:latin typeface="Courier New" panose="02070309020205020404" pitchFamily="49" charset="0"/>
-                <a:cs typeface="Courier New" panose="02070309020205020404" pitchFamily="49" charset="0"/>
-              </a:rPr>
-              <a:t>shell</a:t>
-            </a:r>
-            <a:r>
-              <a:rPr lang="de-DE" sz="2400" dirty="0">
-                <a:latin typeface="Courier New" panose="02070309020205020404" pitchFamily="49" charset="0"/>
-                <a:cs typeface="Courier New" panose="02070309020205020404" pitchFamily="49" charset="0"/>
-              </a:rPr>
-              <a:t> </a:t>
-            </a:r>
-            <a:r>
-              <a:rPr lang="de-DE" sz="2400" dirty="0" err="1">
-                <a:latin typeface="Courier New" panose="02070309020205020404" pitchFamily="49" charset="0"/>
-                <a:cs typeface="Courier New" panose="02070309020205020404" pitchFamily="49" charset="0"/>
-              </a:rPr>
-              <a:t>master</a:t>
-            </a:r>
-            <a:endParaRPr lang="de-DE" sz="2400" dirty="0">
+              <a:rPr lang="de-DE" dirty="0">
+                <a:latin typeface="Courier New" panose="02070309020205020404" pitchFamily="49" charset="0"/>
+                <a:cs typeface="Courier New" panose="02070309020205020404" pitchFamily="49" charset="0"/>
+              </a:rPr>
+              <a:t> --</a:t>
+            </a:r>
+            <a:r>
+              <a:rPr lang="de-DE" dirty="0" err="1">
+                <a:latin typeface="Courier New" panose="02070309020205020404" pitchFamily="49" charset="0"/>
+                <a:cs typeface="Courier New" panose="02070309020205020404" pitchFamily="49" charset="0"/>
+              </a:rPr>
+              <a:t>cpus</a:t>
+            </a:r>
+            <a:r>
+              <a:rPr lang="de-DE" dirty="0">
+                <a:latin typeface="Courier New" panose="02070309020205020404" pitchFamily="49" charset="0"/>
+                <a:cs typeface="Courier New" panose="02070309020205020404" pitchFamily="49" charset="0"/>
+              </a:rPr>
+              <a:t> 2 --memory 4G --disk 20G </a:t>
+            </a:r>
+            <a:r>
+              <a:rPr lang="de-DE" dirty="0" err="1">
+                <a:latin typeface="Courier New" panose="02070309020205020404" pitchFamily="49" charset="0"/>
+                <a:cs typeface="Courier New" panose="02070309020205020404" pitchFamily="49" charset="0"/>
+              </a:rPr>
+              <a:t>lts</a:t>
+            </a:r>
+            <a:endParaRPr lang="de-DE" dirty="0">
               <a:latin typeface="Courier New" panose="02070309020205020404" pitchFamily="49" charset="0"/>
               <a:cs typeface="Courier New" panose="02070309020205020404" pitchFamily="49" charset="0"/>
             </a:endParaRPr>
           </a:p>
           <a:p>
-            <a:pPr marL="0" indent="0">
+            <a:pPr marL="457200" lvl="1" indent="0">
               <a:buNone/>
             </a:pPr>
             <a:r>
-              <a:rPr lang="de-DE" sz="2400" dirty="0">
-                <a:latin typeface="Courier New" panose="02070309020205020404" pitchFamily="49" charset="0"/>
-                <a:cs typeface="Courier New" panose="02070309020205020404" pitchFamily="49" charset="0"/>
-              </a:rPr>
-              <a:t>	</a:t>
-            </a:r>
-            <a:r>
-              <a:rPr lang="de-DE" sz="2400" dirty="0" err="1">
-                <a:latin typeface="Courier New" panose="02070309020205020404" pitchFamily="49" charset="0"/>
-                <a:cs typeface="Courier New" panose="02070309020205020404" pitchFamily="49" charset="0"/>
-              </a:rPr>
-              <a:t>sudo</a:t>
-            </a:r>
-            <a:r>
-              <a:rPr lang="de-DE" sz="2400" dirty="0">
-                <a:latin typeface="Courier New" panose="02070309020205020404" pitchFamily="49" charset="0"/>
-                <a:cs typeface="Courier New" panose="02070309020205020404" pitchFamily="49" charset="0"/>
-              </a:rPr>
-              <a:t> </a:t>
-            </a:r>
-            <a:r>
-              <a:rPr lang="de-DE" sz="2400" dirty="0" err="1">
-                <a:latin typeface="Courier New" panose="02070309020205020404" pitchFamily="49" charset="0"/>
-                <a:cs typeface="Courier New" panose="02070309020205020404" pitchFamily="49" charset="0"/>
-              </a:rPr>
-              <a:t>snap</a:t>
-            </a:r>
-            <a:r>
-              <a:rPr lang="de-DE" sz="2400" dirty="0">
-                <a:latin typeface="Courier New" panose="02070309020205020404" pitchFamily="49" charset="0"/>
-                <a:cs typeface="Courier New" panose="02070309020205020404" pitchFamily="49" charset="0"/>
-              </a:rPr>
-              <a:t> </a:t>
-            </a:r>
-            <a:r>
-              <a:rPr lang="de-DE" sz="2400" dirty="0" err="1">
-                <a:latin typeface="Courier New" panose="02070309020205020404" pitchFamily="49" charset="0"/>
-                <a:cs typeface="Courier New" panose="02070309020205020404" pitchFamily="49" charset="0"/>
-              </a:rPr>
-              <a:t>install</a:t>
-            </a:r>
-            <a:r>
-              <a:rPr lang="de-DE" sz="2400" dirty="0">
-                <a:latin typeface="Courier New" panose="02070309020205020404" pitchFamily="49" charset="0"/>
-                <a:cs typeface="Courier New" panose="02070309020205020404" pitchFamily="49" charset="0"/>
-              </a:rPr>
-              <a:t> microk8s --classic</a:t>
-            </a:r>
-          </a:p>
-          <a:p>
-            <a:pPr marL="0" indent="0">
-              <a:buNone/>
-            </a:pPr>
-            <a:r>
-              <a:rPr lang="de-DE" sz="2400" dirty="0">
-                <a:latin typeface="Courier New" panose="02070309020205020404" pitchFamily="49" charset="0"/>
-                <a:cs typeface="Courier New" panose="02070309020205020404" pitchFamily="49" charset="0"/>
-              </a:rPr>
-              <a:t>	</a:t>
-            </a:r>
-            <a:r>
-              <a:rPr lang="de-DE" sz="2400" dirty="0" err="1">
-                <a:latin typeface="Courier New" panose="02070309020205020404" pitchFamily="49" charset="0"/>
-                <a:cs typeface="Courier New" panose="02070309020205020404" pitchFamily="49" charset="0"/>
-              </a:rPr>
-              <a:t>sudo</a:t>
-            </a:r>
-            <a:r>
-              <a:rPr lang="de-DE" sz="2400" dirty="0">
-                <a:latin typeface="Courier New" panose="02070309020205020404" pitchFamily="49" charset="0"/>
-                <a:cs typeface="Courier New" panose="02070309020205020404" pitchFamily="49" charset="0"/>
-              </a:rPr>
-              <a:t> </a:t>
-            </a:r>
-            <a:r>
-              <a:rPr lang="de-DE" sz="2400" dirty="0" err="1">
-                <a:latin typeface="Courier New" panose="02070309020205020404" pitchFamily="49" charset="0"/>
-                <a:cs typeface="Courier New" panose="02070309020205020404" pitchFamily="49" charset="0"/>
-              </a:rPr>
-              <a:t>usermod</a:t>
-            </a:r>
-            <a:r>
-              <a:rPr lang="de-DE" sz="2400" dirty="0">
-                <a:latin typeface="Courier New" panose="02070309020205020404" pitchFamily="49" charset="0"/>
-                <a:cs typeface="Courier New" panose="02070309020205020404" pitchFamily="49" charset="0"/>
-              </a:rPr>
-              <a:t> -a -G microk8s $USER</a:t>
-            </a:r>
-          </a:p>
-          <a:p>
-            <a:pPr marL="0" indent="0">
-              <a:buNone/>
-            </a:pPr>
-            <a:r>
-              <a:rPr lang="de-DE" sz="2400" dirty="0">
-                <a:latin typeface="Courier New" panose="02070309020205020404" pitchFamily="49" charset="0"/>
-                <a:cs typeface="Courier New" panose="02070309020205020404" pitchFamily="49" charset="0"/>
-              </a:rPr>
-              <a:t>	</a:t>
-            </a:r>
-            <a:r>
-              <a:rPr lang="de-DE" sz="2400" dirty="0" err="1">
-                <a:latin typeface="Courier New" panose="02070309020205020404" pitchFamily="49" charset="0"/>
-                <a:cs typeface="Courier New" panose="02070309020205020404" pitchFamily="49" charset="0"/>
-              </a:rPr>
-              <a:t>sudo</a:t>
-            </a:r>
-            <a:r>
-              <a:rPr lang="de-DE" sz="2400" dirty="0">
-                <a:latin typeface="Courier New" panose="02070309020205020404" pitchFamily="49" charset="0"/>
-                <a:cs typeface="Courier New" panose="02070309020205020404" pitchFamily="49" charset="0"/>
-              </a:rPr>
-              <a:t> </a:t>
-            </a:r>
-            <a:r>
-              <a:rPr lang="de-DE" sz="2400" dirty="0" err="1">
-                <a:latin typeface="Courier New" panose="02070309020205020404" pitchFamily="49" charset="0"/>
-                <a:cs typeface="Courier New" panose="02070309020205020404" pitchFamily="49" charset="0"/>
-              </a:rPr>
-              <a:t>apt-get</a:t>
-            </a:r>
-            <a:r>
-              <a:rPr lang="de-DE" sz="2400" dirty="0">
-                <a:latin typeface="Courier New" panose="02070309020205020404" pitchFamily="49" charset="0"/>
-                <a:cs typeface="Courier New" panose="02070309020205020404" pitchFamily="49" charset="0"/>
-              </a:rPr>
-              <a:t> update</a:t>
-            </a:r>
-          </a:p>
-          <a:p>
-            <a:pPr marL="0" indent="0">
-              <a:buNone/>
-            </a:pPr>
-            <a:r>
-              <a:rPr lang="de-DE" sz="2400" dirty="0"/>
-              <a:t>	</a:t>
-            </a:r>
-            <a:r>
-              <a:rPr lang="de-DE" sz="2400" dirty="0" err="1">
-                <a:latin typeface="Courier New" panose="02070309020205020404" pitchFamily="49" charset="0"/>
-                <a:cs typeface="Courier New" panose="02070309020205020404" pitchFamily="49" charset="0"/>
-              </a:rPr>
-              <a:t>sudo</a:t>
-            </a:r>
-            <a:r>
-              <a:rPr lang="de-DE" sz="2400" dirty="0">
-                <a:latin typeface="Courier New" panose="02070309020205020404" pitchFamily="49" charset="0"/>
-                <a:cs typeface="Courier New" panose="02070309020205020404" pitchFamily="49" charset="0"/>
-              </a:rPr>
-              <a:t> </a:t>
-            </a:r>
-            <a:r>
-              <a:rPr lang="de-DE" sz="2400" dirty="0" err="1">
-                <a:latin typeface="Courier New" panose="02070309020205020404" pitchFamily="49" charset="0"/>
-                <a:cs typeface="Courier New" panose="02070309020205020404" pitchFamily="49" charset="0"/>
-              </a:rPr>
-              <a:t>apt</a:t>
-            </a:r>
-            <a:r>
-              <a:rPr lang="de-DE" sz="2400" dirty="0">
-                <a:latin typeface="Courier New" panose="02070309020205020404" pitchFamily="49" charset="0"/>
-                <a:cs typeface="Courier New" panose="02070309020205020404" pitchFamily="49" charset="0"/>
-              </a:rPr>
-              <a:t> </a:t>
-            </a:r>
-            <a:r>
-              <a:rPr lang="de-DE" sz="2400" dirty="0" err="1">
-                <a:latin typeface="Courier New" panose="02070309020205020404" pitchFamily="49" charset="0"/>
-                <a:cs typeface="Courier New" panose="02070309020205020404" pitchFamily="49" charset="0"/>
-              </a:rPr>
-              <a:t>install</a:t>
-            </a:r>
-            <a:r>
-              <a:rPr lang="de-DE" sz="2400" dirty="0">
-                <a:latin typeface="Courier New" panose="02070309020205020404" pitchFamily="49" charset="0"/>
-                <a:cs typeface="Courier New" panose="02070309020205020404" pitchFamily="49" charset="0"/>
-              </a:rPr>
-              <a:t> </a:t>
-            </a:r>
-            <a:r>
-              <a:rPr lang="de-DE" sz="2400" dirty="0" err="1">
-                <a:latin typeface="Courier New" panose="02070309020205020404" pitchFamily="49" charset="0"/>
-                <a:cs typeface="Courier New" panose="02070309020205020404" pitchFamily="49" charset="0"/>
-              </a:rPr>
-              <a:t>maven</a:t>
-            </a:r>
-            <a:r>
-              <a:rPr lang="de-DE" sz="2400" dirty="0">
-                <a:latin typeface="Courier New" panose="02070309020205020404" pitchFamily="49" charset="0"/>
-                <a:cs typeface="Courier New" panose="02070309020205020404" pitchFamily="49" charset="0"/>
-              </a:rPr>
-              <a:t> openjdk-17-jdk</a:t>
-            </a:r>
-          </a:p>
-          <a:p>
-            <a:pPr marL="0" indent="0">
-              <a:buNone/>
-            </a:pPr>
-            <a:r>
-              <a:rPr lang="de-DE" sz="2400" dirty="0">
-                <a:latin typeface="Courier New" panose="02070309020205020404" pitchFamily="49" charset="0"/>
-                <a:cs typeface="Courier New" panose="02070309020205020404" pitchFamily="49" charset="0"/>
-              </a:rPr>
-              <a:t>	</a:t>
-            </a:r>
-            <a:r>
-              <a:rPr lang="de-DE" sz="2400" dirty="0" err="1">
-                <a:latin typeface="Courier New" panose="02070309020205020404" pitchFamily="49" charset="0"/>
-                <a:cs typeface="Courier New" panose="02070309020205020404" pitchFamily="49" charset="0"/>
-              </a:rPr>
-              <a:t>sudo</a:t>
-            </a:r>
-            <a:r>
-              <a:rPr lang="de-DE" sz="2400" dirty="0">
-                <a:latin typeface="Courier New" panose="02070309020205020404" pitchFamily="49" charset="0"/>
-                <a:cs typeface="Courier New" panose="02070309020205020404" pitchFamily="49" charset="0"/>
-              </a:rPr>
-              <a:t> </a:t>
-            </a:r>
-            <a:r>
-              <a:rPr lang="de-DE" sz="2400" dirty="0" err="1">
-                <a:latin typeface="Courier New" panose="02070309020205020404" pitchFamily="49" charset="0"/>
-                <a:cs typeface="Courier New" panose="02070309020205020404" pitchFamily="49" charset="0"/>
-              </a:rPr>
-              <a:t>snap</a:t>
-            </a:r>
-            <a:r>
-              <a:rPr lang="de-DE" sz="2400" dirty="0">
-                <a:latin typeface="Courier New" panose="02070309020205020404" pitchFamily="49" charset="0"/>
-                <a:cs typeface="Courier New" panose="02070309020205020404" pitchFamily="49" charset="0"/>
-              </a:rPr>
-              <a:t> </a:t>
-            </a:r>
-            <a:r>
-              <a:rPr lang="de-DE" sz="2400" dirty="0" err="1">
-                <a:latin typeface="Courier New" panose="02070309020205020404" pitchFamily="49" charset="0"/>
-                <a:cs typeface="Courier New" panose="02070309020205020404" pitchFamily="49" charset="0"/>
-              </a:rPr>
-              <a:t>install</a:t>
-            </a:r>
-            <a:r>
-              <a:rPr lang="de-DE" sz="2400" dirty="0">
-                <a:latin typeface="Courier New" panose="02070309020205020404" pitchFamily="49" charset="0"/>
-                <a:cs typeface="Courier New" panose="02070309020205020404" pitchFamily="49" charset="0"/>
-              </a:rPr>
-              <a:t> </a:t>
-            </a:r>
-            <a:r>
-              <a:rPr lang="de-DE" sz="2400" dirty="0" err="1">
-                <a:latin typeface="Courier New" panose="02070309020205020404" pitchFamily="49" charset="0"/>
-                <a:cs typeface="Courier New" panose="02070309020205020404" pitchFamily="49" charset="0"/>
-              </a:rPr>
-              <a:t>docker</a:t>
-            </a:r>
-            <a:endParaRPr lang="de-DE" sz="2400" dirty="0">
+              <a:rPr lang="de-DE" dirty="0">
+                <a:latin typeface="Courier New" panose="02070309020205020404" pitchFamily="49" charset="0"/>
+                <a:cs typeface="Courier New" panose="02070309020205020404" pitchFamily="49" charset="0"/>
+              </a:rPr>
+              <a:t>multipass launch --name worker1 --</a:t>
+            </a:r>
+            <a:r>
+              <a:rPr lang="de-DE" dirty="0" err="1">
+                <a:latin typeface="Courier New" panose="02070309020205020404" pitchFamily="49" charset="0"/>
+                <a:cs typeface="Courier New" panose="02070309020205020404" pitchFamily="49" charset="0"/>
+              </a:rPr>
+              <a:t>cpus</a:t>
+            </a:r>
+            <a:r>
+              <a:rPr lang="de-DE" dirty="0">
+                <a:latin typeface="Courier New" panose="02070309020205020404" pitchFamily="49" charset="0"/>
+                <a:cs typeface="Courier New" panose="02070309020205020404" pitchFamily="49" charset="0"/>
+              </a:rPr>
+              <a:t> 2 --memory 4G --disk 20G </a:t>
+            </a:r>
+            <a:r>
+              <a:rPr lang="de-DE" dirty="0" err="1">
+                <a:latin typeface="Courier New" panose="02070309020205020404" pitchFamily="49" charset="0"/>
+                <a:cs typeface="Courier New" panose="02070309020205020404" pitchFamily="49" charset="0"/>
+              </a:rPr>
+              <a:t>lts</a:t>
+            </a:r>
+            <a:endParaRPr lang="de-DE" dirty="0">
               <a:latin typeface="Courier New" panose="02070309020205020404" pitchFamily="49" charset="0"/>
               <a:cs typeface="Courier New" panose="02070309020205020404" pitchFamily="49" charset="0"/>
             </a:endParaRPr>
           </a:p>
           <a:p>
-            <a:pPr marL="0" indent="0">
+            <a:pPr marL="457200" lvl="1" indent="0">
               <a:buNone/>
             </a:pPr>
             <a:r>
-              <a:rPr lang="de-DE" sz="2400" dirty="0">
-                <a:latin typeface="Courier New" panose="02070309020205020404" pitchFamily="49" charset="0"/>
-                <a:cs typeface="Courier New" panose="02070309020205020404" pitchFamily="49" charset="0"/>
-              </a:rPr>
-              <a:t>	</a:t>
-            </a:r>
-            <a:r>
-              <a:rPr lang="de-DE" sz="2400" dirty="0" err="1">
-                <a:latin typeface="Courier New" panose="02070309020205020404" pitchFamily="49" charset="0"/>
-                <a:cs typeface="Courier New" panose="02070309020205020404" pitchFamily="49" charset="0"/>
-              </a:rPr>
-              <a:t>sudo</a:t>
-            </a:r>
-            <a:r>
-              <a:rPr lang="de-DE" sz="2400" dirty="0">
-                <a:latin typeface="Courier New" panose="02070309020205020404" pitchFamily="49" charset="0"/>
-                <a:cs typeface="Courier New" panose="02070309020205020404" pitchFamily="49" charset="0"/>
-              </a:rPr>
-              <a:t> </a:t>
-            </a:r>
-            <a:r>
-              <a:rPr lang="de-DE" sz="2400" dirty="0" err="1">
-                <a:latin typeface="Courier New" panose="02070309020205020404" pitchFamily="49" charset="0"/>
-                <a:cs typeface="Courier New" panose="02070309020205020404" pitchFamily="49" charset="0"/>
-              </a:rPr>
-              <a:t>addgroup</a:t>
-            </a:r>
-            <a:r>
-              <a:rPr lang="de-DE" sz="2400" dirty="0">
-                <a:latin typeface="Courier New" panose="02070309020205020404" pitchFamily="49" charset="0"/>
-                <a:cs typeface="Courier New" panose="02070309020205020404" pitchFamily="49" charset="0"/>
-              </a:rPr>
-              <a:t> --system </a:t>
-            </a:r>
-            <a:r>
-              <a:rPr lang="de-DE" sz="2400" dirty="0" err="1">
-                <a:latin typeface="Courier New" panose="02070309020205020404" pitchFamily="49" charset="0"/>
-                <a:cs typeface="Courier New" panose="02070309020205020404" pitchFamily="49" charset="0"/>
-              </a:rPr>
-              <a:t>docker</a:t>
-            </a:r>
-            <a:endParaRPr lang="de-DE" sz="2400" dirty="0">
+              <a:rPr lang="de-DE" dirty="0">
+                <a:latin typeface="Courier New" panose="02070309020205020404" pitchFamily="49" charset="0"/>
+                <a:cs typeface="Courier New" panose="02070309020205020404" pitchFamily="49" charset="0"/>
+              </a:rPr>
+              <a:t>multipass launch --name worker2 --</a:t>
+            </a:r>
+            <a:r>
+              <a:rPr lang="de-DE" dirty="0" err="1">
+                <a:latin typeface="Courier New" panose="02070309020205020404" pitchFamily="49" charset="0"/>
+                <a:cs typeface="Courier New" panose="02070309020205020404" pitchFamily="49" charset="0"/>
+              </a:rPr>
+              <a:t>cpus</a:t>
+            </a:r>
+            <a:r>
+              <a:rPr lang="de-DE" dirty="0">
+                <a:latin typeface="Courier New" panose="02070309020205020404" pitchFamily="49" charset="0"/>
+                <a:cs typeface="Courier New" panose="02070309020205020404" pitchFamily="49" charset="0"/>
+              </a:rPr>
+              <a:t> 2 --memory 4G --disk 20G </a:t>
+            </a:r>
+            <a:r>
+              <a:rPr lang="de-DE" dirty="0" err="1">
+                <a:latin typeface="Courier New" panose="02070309020205020404" pitchFamily="49" charset="0"/>
+                <a:cs typeface="Courier New" panose="02070309020205020404" pitchFamily="49" charset="0"/>
+              </a:rPr>
+              <a:t>lts</a:t>
+            </a:r>
+            <a:endParaRPr lang="de-DE" dirty="0">
               <a:latin typeface="Courier New" panose="02070309020205020404" pitchFamily="49" charset="0"/>
               <a:cs typeface="Courier New" panose="02070309020205020404" pitchFamily="49" charset="0"/>
             </a:endParaRPr>
           </a:p>
           <a:p>
-            <a:pPr marL="0" indent="0">
+            <a:pPr marL="457200" lvl="1" indent="0">
               <a:buNone/>
             </a:pPr>
-            <a:r>
-              <a:rPr lang="de-DE" sz="2400" dirty="0">
-                <a:latin typeface="Courier New" panose="02070309020205020404" pitchFamily="49" charset="0"/>
-                <a:cs typeface="Courier New" panose="02070309020205020404" pitchFamily="49" charset="0"/>
-              </a:rPr>
-              <a:t>	</a:t>
-            </a:r>
-            <a:r>
-              <a:rPr lang="de-DE" sz="2400" dirty="0" err="1">
-                <a:latin typeface="Courier New" panose="02070309020205020404" pitchFamily="49" charset="0"/>
-                <a:cs typeface="Courier New" panose="02070309020205020404" pitchFamily="49" charset="0"/>
-              </a:rPr>
-              <a:t>sudo</a:t>
-            </a:r>
-            <a:r>
-              <a:rPr lang="de-DE" sz="2400" dirty="0">
-                <a:latin typeface="Courier New" panose="02070309020205020404" pitchFamily="49" charset="0"/>
-                <a:cs typeface="Courier New" panose="02070309020205020404" pitchFamily="49" charset="0"/>
-              </a:rPr>
-              <a:t> </a:t>
-            </a:r>
-            <a:r>
-              <a:rPr lang="de-DE" sz="2400" dirty="0" err="1">
-                <a:latin typeface="Courier New" panose="02070309020205020404" pitchFamily="49" charset="0"/>
-                <a:cs typeface="Courier New" panose="02070309020205020404" pitchFamily="49" charset="0"/>
-              </a:rPr>
-              <a:t>adduser</a:t>
-            </a:r>
-            <a:r>
-              <a:rPr lang="de-DE" sz="2400" dirty="0">
-                <a:latin typeface="Courier New" panose="02070309020205020404" pitchFamily="49" charset="0"/>
-                <a:cs typeface="Courier New" panose="02070309020205020404" pitchFamily="49" charset="0"/>
-              </a:rPr>
-              <a:t> $USER </a:t>
-            </a:r>
-            <a:r>
-              <a:rPr lang="de-DE" sz="2400" dirty="0" err="1">
-                <a:latin typeface="Courier New" panose="02070309020205020404" pitchFamily="49" charset="0"/>
-                <a:cs typeface="Courier New" panose="02070309020205020404" pitchFamily="49" charset="0"/>
-              </a:rPr>
-              <a:t>docker</a:t>
-            </a:r>
-            <a:endParaRPr lang="de-DE" sz="2400" dirty="0">
+            <a:endParaRPr lang="de-DE" dirty="0">
               <a:latin typeface="Courier New" panose="02070309020205020404" pitchFamily="49" charset="0"/>
               <a:cs typeface="Courier New" panose="02070309020205020404" pitchFamily="49" charset="0"/>
             </a:endParaRPr>
           </a:p>
-          <a:p>
-            <a:pPr marL="0" indent="0">
-              <a:buNone/>
-            </a:pPr>
-            <a:r>
-              <a:rPr lang="de-DE" sz="2400" dirty="0">
-                <a:latin typeface="Courier New" panose="02070309020205020404" pitchFamily="49" charset="0"/>
-                <a:cs typeface="Courier New" panose="02070309020205020404" pitchFamily="49" charset="0"/>
-              </a:rPr>
-              <a:t>	</a:t>
-            </a:r>
-            <a:r>
-              <a:rPr lang="de-DE" sz="2400" dirty="0" err="1">
-                <a:latin typeface="Courier New" panose="02070309020205020404" pitchFamily="49" charset="0"/>
-                <a:cs typeface="Courier New" panose="02070309020205020404" pitchFamily="49" charset="0"/>
-              </a:rPr>
-              <a:t>sudo</a:t>
-            </a:r>
-            <a:r>
-              <a:rPr lang="de-DE" sz="2400" dirty="0">
-                <a:latin typeface="Courier New" panose="02070309020205020404" pitchFamily="49" charset="0"/>
-                <a:cs typeface="Courier New" panose="02070309020205020404" pitchFamily="49" charset="0"/>
-              </a:rPr>
-              <a:t> </a:t>
-            </a:r>
-            <a:r>
-              <a:rPr lang="de-DE" sz="2400" dirty="0" err="1">
-                <a:latin typeface="Courier New" panose="02070309020205020404" pitchFamily="49" charset="0"/>
-                <a:cs typeface="Courier New" panose="02070309020205020404" pitchFamily="49" charset="0"/>
-              </a:rPr>
-              <a:t>shutdown</a:t>
-            </a:r>
-            <a:r>
-              <a:rPr lang="de-DE" sz="2400" dirty="0">
-                <a:latin typeface="Courier New" panose="02070309020205020404" pitchFamily="49" charset="0"/>
-                <a:cs typeface="Courier New" panose="02070309020205020404" pitchFamily="49" charset="0"/>
-              </a:rPr>
-              <a:t> -h </a:t>
-            </a:r>
-            <a:r>
-              <a:rPr lang="de-DE" sz="2400" dirty="0" err="1">
-                <a:latin typeface="Courier New" panose="02070309020205020404" pitchFamily="49" charset="0"/>
-                <a:cs typeface="Courier New" panose="02070309020205020404" pitchFamily="49" charset="0"/>
-              </a:rPr>
-              <a:t>now</a:t>
-            </a:r>
-            <a:endParaRPr lang="de-DE" sz="2400" dirty="0">
-              <a:latin typeface="Courier New" panose="02070309020205020404" pitchFamily="49" charset="0"/>
-              <a:cs typeface="Courier New" panose="02070309020205020404" pitchFamily="49" charset="0"/>
-            </a:endParaRPr>
-          </a:p>
         </p:txBody>
       </p:sp>
     </p:spTree>
     <p:extLst>
       <p:ext uri="{BB962C8B-B14F-4D97-AF65-F5344CB8AC3E}">
-        <p14:creationId xmlns:p14="http://schemas.microsoft.com/office/powerpoint/2010/main" val="1270310899"/>
+        <p14:creationId xmlns:p14="http://schemas.microsoft.com/office/powerpoint/2010/main" val="972499456"/>
       </p:ext>
     </p:extLst>
   </p:cSld>
@@ -4812,6 +4526,564 @@
           <p:cNvPr id="2" name="Titel 1">
             <a:extLst>
               <a:ext uri="{FF2B5EF4-FFF2-40B4-BE49-F238E27FC236}">
+                <a16:creationId xmlns:a16="http://schemas.microsoft.com/office/drawing/2014/main" id="{54472761-F6BA-A4DF-6E97-094AE60B729E}"/>
+              </a:ext>
+            </a:extLst>
+          </p:cNvPr>
+          <p:cNvSpPr>
+            <a:spLocks noGrp="1"/>
+          </p:cNvSpPr>
+          <p:nvPr>
+            <p:ph type="title"/>
+          </p:nvPr>
+        </p:nvSpPr>
+        <p:spPr/>
+        <p:txBody>
+          <a:bodyPr/>
+          <a:lstStyle/>
+          <a:p>
+            <a:r>
+              <a:rPr lang="de-DE" dirty="0"/>
+              <a:t>Master </a:t>
+            </a:r>
+            <a:r>
+              <a:rPr lang="de-DE" dirty="0" err="1"/>
+              <a:t>Node</a:t>
+            </a:r>
+            <a:r>
+              <a:rPr lang="de-DE" dirty="0"/>
+              <a:t> einrichten</a:t>
+            </a:r>
+          </a:p>
+        </p:txBody>
+      </p:sp>
+      <p:sp>
+        <p:nvSpPr>
+          <p:cNvPr id="3" name="Inhaltsplatzhalter 2">
+            <a:extLst>
+              <a:ext uri="{FF2B5EF4-FFF2-40B4-BE49-F238E27FC236}">
+                <a16:creationId xmlns:a16="http://schemas.microsoft.com/office/drawing/2014/main" id="{A6C84D30-D395-411D-5201-F8BC8F103909}"/>
+              </a:ext>
+            </a:extLst>
+          </p:cNvPr>
+          <p:cNvSpPr>
+            <a:spLocks noGrp="1"/>
+          </p:cNvSpPr>
+          <p:nvPr>
+            <p:ph idx="1"/>
+          </p:nvPr>
+        </p:nvSpPr>
+        <p:spPr/>
+        <p:txBody>
+          <a:bodyPr>
+            <a:normAutofit lnSpcReduction="10000"/>
+          </a:bodyPr>
+          <a:lstStyle/>
+          <a:p>
+            <a:r>
+              <a:rPr lang="de-DE" dirty="0"/>
+              <a:t>Software auf </a:t>
+            </a:r>
+            <a:r>
+              <a:rPr lang="de-DE" dirty="0" err="1"/>
+              <a:t>master</a:t>
+            </a:r>
+            <a:r>
+              <a:rPr lang="de-DE" dirty="0"/>
+              <a:t> installieren:</a:t>
+            </a:r>
+          </a:p>
+          <a:p>
+            <a:pPr marL="0" indent="0">
+              <a:buNone/>
+            </a:pPr>
+            <a:r>
+              <a:rPr lang="de-DE" sz="2400" dirty="0">
+                <a:latin typeface="Courier New" panose="02070309020205020404" pitchFamily="49" charset="0"/>
+                <a:cs typeface="Courier New" panose="02070309020205020404" pitchFamily="49" charset="0"/>
+              </a:rPr>
+              <a:t>	multipass </a:t>
+            </a:r>
+            <a:r>
+              <a:rPr lang="de-DE" sz="2400" dirty="0" err="1">
+                <a:latin typeface="Courier New" panose="02070309020205020404" pitchFamily="49" charset="0"/>
+                <a:cs typeface="Courier New" panose="02070309020205020404" pitchFamily="49" charset="0"/>
+              </a:rPr>
+              <a:t>shell</a:t>
+            </a:r>
+            <a:r>
+              <a:rPr lang="de-DE" sz="2400" dirty="0">
+                <a:latin typeface="Courier New" panose="02070309020205020404" pitchFamily="49" charset="0"/>
+                <a:cs typeface="Courier New" panose="02070309020205020404" pitchFamily="49" charset="0"/>
+              </a:rPr>
+              <a:t> </a:t>
+            </a:r>
+            <a:r>
+              <a:rPr lang="de-DE" sz="2400" dirty="0" err="1">
+                <a:latin typeface="Courier New" panose="02070309020205020404" pitchFamily="49" charset="0"/>
+                <a:cs typeface="Courier New" panose="02070309020205020404" pitchFamily="49" charset="0"/>
+              </a:rPr>
+              <a:t>master</a:t>
+            </a:r>
+            <a:endParaRPr lang="de-DE" sz="2400" dirty="0">
+              <a:latin typeface="Courier New" panose="02070309020205020404" pitchFamily="49" charset="0"/>
+              <a:cs typeface="Courier New" panose="02070309020205020404" pitchFamily="49" charset="0"/>
+            </a:endParaRPr>
+          </a:p>
+          <a:p>
+            <a:pPr marL="0" indent="0">
+              <a:buNone/>
+            </a:pPr>
+            <a:r>
+              <a:rPr lang="de-DE" sz="2400" dirty="0">
+                <a:latin typeface="Courier New" panose="02070309020205020404" pitchFamily="49" charset="0"/>
+                <a:cs typeface="Courier New" panose="02070309020205020404" pitchFamily="49" charset="0"/>
+              </a:rPr>
+              <a:t>	</a:t>
+            </a:r>
+            <a:r>
+              <a:rPr lang="de-DE" sz="2400" dirty="0" err="1">
+                <a:latin typeface="Courier New" panose="02070309020205020404" pitchFamily="49" charset="0"/>
+                <a:cs typeface="Courier New" panose="02070309020205020404" pitchFamily="49" charset="0"/>
+              </a:rPr>
+              <a:t>sudo</a:t>
+            </a:r>
+            <a:r>
+              <a:rPr lang="de-DE" sz="2400" dirty="0">
+                <a:latin typeface="Courier New" panose="02070309020205020404" pitchFamily="49" charset="0"/>
+                <a:cs typeface="Courier New" panose="02070309020205020404" pitchFamily="49" charset="0"/>
+              </a:rPr>
+              <a:t> </a:t>
+            </a:r>
+            <a:r>
+              <a:rPr lang="de-DE" sz="2400" dirty="0" err="1">
+                <a:latin typeface="Courier New" panose="02070309020205020404" pitchFamily="49" charset="0"/>
+                <a:cs typeface="Courier New" panose="02070309020205020404" pitchFamily="49" charset="0"/>
+              </a:rPr>
+              <a:t>snap</a:t>
+            </a:r>
+            <a:r>
+              <a:rPr lang="de-DE" sz="2400" dirty="0">
+                <a:latin typeface="Courier New" panose="02070309020205020404" pitchFamily="49" charset="0"/>
+                <a:cs typeface="Courier New" panose="02070309020205020404" pitchFamily="49" charset="0"/>
+              </a:rPr>
+              <a:t> </a:t>
+            </a:r>
+            <a:r>
+              <a:rPr lang="de-DE" sz="2400" dirty="0" err="1">
+                <a:latin typeface="Courier New" panose="02070309020205020404" pitchFamily="49" charset="0"/>
+                <a:cs typeface="Courier New" panose="02070309020205020404" pitchFamily="49" charset="0"/>
+              </a:rPr>
+              <a:t>install</a:t>
+            </a:r>
+            <a:r>
+              <a:rPr lang="de-DE" sz="2400" dirty="0">
+                <a:latin typeface="Courier New" panose="02070309020205020404" pitchFamily="49" charset="0"/>
+                <a:cs typeface="Courier New" panose="02070309020205020404" pitchFamily="49" charset="0"/>
+              </a:rPr>
+              <a:t> microk8s --classic</a:t>
+            </a:r>
+          </a:p>
+          <a:p>
+            <a:pPr marL="0" indent="0">
+              <a:buNone/>
+            </a:pPr>
+            <a:r>
+              <a:rPr lang="de-DE" sz="2400" dirty="0">
+                <a:latin typeface="Courier New" panose="02070309020205020404" pitchFamily="49" charset="0"/>
+                <a:cs typeface="Courier New" panose="02070309020205020404" pitchFamily="49" charset="0"/>
+              </a:rPr>
+              <a:t>	</a:t>
+            </a:r>
+            <a:r>
+              <a:rPr lang="de-DE" sz="2400" dirty="0" err="1">
+                <a:latin typeface="Courier New" panose="02070309020205020404" pitchFamily="49" charset="0"/>
+                <a:cs typeface="Courier New" panose="02070309020205020404" pitchFamily="49" charset="0"/>
+              </a:rPr>
+              <a:t>sudo</a:t>
+            </a:r>
+            <a:r>
+              <a:rPr lang="de-DE" sz="2400" dirty="0">
+                <a:latin typeface="Courier New" panose="02070309020205020404" pitchFamily="49" charset="0"/>
+                <a:cs typeface="Courier New" panose="02070309020205020404" pitchFamily="49" charset="0"/>
+              </a:rPr>
+              <a:t> </a:t>
+            </a:r>
+            <a:r>
+              <a:rPr lang="de-DE" sz="2400" dirty="0" err="1">
+                <a:latin typeface="Courier New" panose="02070309020205020404" pitchFamily="49" charset="0"/>
+                <a:cs typeface="Courier New" panose="02070309020205020404" pitchFamily="49" charset="0"/>
+              </a:rPr>
+              <a:t>usermod</a:t>
+            </a:r>
+            <a:r>
+              <a:rPr lang="de-DE" sz="2400" dirty="0">
+                <a:latin typeface="Courier New" panose="02070309020205020404" pitchFamily="49" charset="0"/>
+                <a:cs typeface="Courier New" panose="02070309020205020404" pitchFamily="49" charset="0"/>
+              </a:rPr>
+              <a:t> -a -G microk8s $USER</a:t>
+            </a:r>
+          </a:p>
+          <a:p>
+            <a:pPr marL="0" indent="0">
+              <a:buNone/>
+            </a:pPr>
+            <a:r>
+              <a:rPr lang="de-DE" sz="2400" dirty="0">
+                <a:latin typeface="Courier New" panose="02070309020205020404" pitchFamily="49" charset="0"/>
+                <a:cs typeface="Courier New" panose="02070309020205020404" pitchFamily="49" charset="0"/>
+              </a:rPr>
+              <a:t>	</a:t>
+            </a:r>
+            <a:r>
+              <a:rPr lang="de-DE" sz="2400" dirty="0" err="1">
+                <a:latin typeface="Courier New" panose="02070309020205020404" pitchFamily="49" charset="0"/>
+                <a:cs typeface="Courier New" panose="02070309020205020404" pitchFamily="49" charset="0"/>
+              </a:rPr>
+              <a:t>sudo</a:t>
+            </a:r>
+            <a:r>
+              <a:rPr lang="de-DE" sz="2400" dirty="0">
+                <a:latin typeface="Courier New" panose="02070309020205020404" pitchFamily="49" charset="0"/>
+                <a:cs typeface="Courier New" panose="02070309020205020404" pitchFamily="49" charset="0"/>
+              </a:rPr>
+              <a:t> </a:t>
+            </a:r>
+            <a:r>
+              <a:rPr lang="de-DE" sz="2400" dirty="0" err="1">
+                <a:latin typeface="Courier New" panose="02070309020205020404" pitchFamily="49" charset="0"/>
+                <a:cs typeface="Courier New" panose="02070309020205020404" pitchFamily="49" charset="0"/>
+              </a:rPr>
+              <a:t>apt-get</a:t>
+            </a:r>
+            <a:r>
+              <a:rPr lang="de-DE" sz="2400" dirty="0">
+                <a:latin typeface="Courier New" panose="02070309020205020404" pitchFamily="49" charset="0"/>
+                <a:cs typeface="Courier New" panose="02070309020205020404" pitchFamily="49" charset="0"/>
+              </a:rPr>
+              <a:t> update</a:t>
+            </a:r>
+          </a:p>
+          <a:p>
+            <a:pPr marL="0" indent="0">
+              <a:buNone/>
+            </a:pPr>
+            <a:r>
+              <a:rPr lang="de-DE" sz="2400" dirty="0"/>
+              <a:t>	</a:t>
+            </a:r>
+            <a:r>
+              <a:rPr lang="de-DE" sz="2400" dirty="0" err="1">
+                <a:latin typeface="Courier New" panose="02070309020205020404" pitchFamily="49" charset="0"/>
+                <a:cs typeface="Courier New" panose="02070309020205020404" pitchFamily="49" charset="0"/>
+              </a:rPr>
+              <a:t>sudo</a:t>
+            </a:r>
+            <a:r>
+              <a:rPr lang="de-DE" sz="2400" dirty="0">
+                <a:latin typeface="Courier New" panose="02070309020205020404" pitchFamily="49" charset="0"/>
+                <a:cs typeface="Courier New" panose="02070309020205020404" pitchFamily="49" charset="0"/>
+              </a:rPr>
+              <a:t> </a:t>
+            </a:r>
+            <a:r>
+              <a:rPr lang="de-DE" sz="2400" dirty="0" err="1">
+                <a:latin typeface="Courier New" panose="02070309020205020404" pitchFamily="49" charset="0"/>
+                <a:cs typeface="Courier New" panose="02070309020205020404" pitchFamily="49" charset="0"/>
+              </a:rPr>
+              <a:t>apt</a:t>
+            </a:r>
+            <a:r>
+              <a:rPr lang="de-DE" sz="2400" dirty="0">
+                <a:latin typeface="Courier New" panose="02070309020205020404" pitchFamily="49" charset="0"/>
+                <a:cs typeface="Courier New" panose="02070309020205020404" pitchFamily="49" charset="0"/>
+              </a:rPr>
+              <a:t> </a:t>
+            </a:r>
+            <a:r>
+              <a:rPr lang="de-DE" sz="2400" dirty="0" err="1">
+                <a:latin typeface="Courier New" panose="02070309020205020404" pitchFamily="49" charset="0"/>
+                <a:cs typeface="Courier New" panose="02070309020205020404" pitchFamily="49" charset="0"/>
+              </a:rPr>
+              <a:t>install</a:t>
+            </a:r>
+            <a:r>
+              <a:rPr lang="de-DE" sz="2400" dirty="0">
+                <a:latin typeface="Courier New" panose="02070309020205020404" pitchFamily="49" charset="0"/>
+                <a:cs typeface="Courier New" panose="02070309020205020404" pitchFamily="49" charset="0"/>
+              </a:rPr>
+              <a:t> </a:t>
+            </a:r>
+            <a:r>
+              <a:rPr lang="de-DE" sz="2400" dirty="0" err="1">
+                <a:latin typeface="Courier New" panose="02070309020205020404" pitchFamily="49" charset="0"/>
+                <a:cs typeface="Courier New" panose="02070309020205020404" pitchFamily="49" charset="0"/>
+              </a:rPr>
+              <a:t>maven</a:t>
+            </a:r>
+            <a:r>
+              <a:rPr lang="de-DE" sz="2400" dirty="0">
+                <a:latin typeface="Courier New" panose="02070309020205020404" pitchFamily="49" charset="0"/>
+                <a:cs typeface="Courier New" panose="02070309020205020404" pitchFamily="49" charset="0"/>
+              </a:rPr>
+              <a:t> openjdk-17-jdk</a:t>
+            </a:r>
+          </a:p>
+          <a:p>
+            <a:pPr marL="0" indent="0">
+              <a:buNone/>
+            </a:pPr>
+            <a:r>
+              <a:rPr lang="de-DE" sz="2400" dirty="0">
+                <a:latin typeface="Courier New" panose="02070309020205020404" pitchFamily="49" charset="0"/>
+                <a:cs typeface="Courier New" panose="02070309020205020404" pitchFamily="49" charset="0"/>
+              </a:rPr>
+              <a:t>	</a:t>
+            </a:r>
+            <a:r>
+              <a:rPr lang="de-DE" sz="2400" dirty="0" err="1">
+                <a:latin typeface="Courier New" panose="02070309020205020404" pitchFamily="49" charset="0"/>
+                <a:cs typeface="Courier New" panose="02070309020205020404" pitchFamily="49" charset="0"/>
+              </a:rPr>
+              <a:t>sudo</a:t>
+            </a:r>
+            <a:r>
+              <a:rPr lang="de-DE" sz="2400" dirty="0">
+                <a:latin typeface="Courier New" panose="02070309020205020404" pitchFamily="49" charset="0"/>
+                <a:cs typeface="Courier New" panose="02070309020205020404" pitchFamily="49" charset="0"/>
+              </a:rPr>
+              <a:t> </a:t>
+            </a:r>
+            <a:r>
+              <a:rPr lang="de-DE" sz="2400" dirty="0" err="1">
+                <a:latin typeface="Courier New" panose="02070309020205020404" pitchFamily="49" charset="0"/>
+                <a:cs typeface="Courier New" panose="02070309020205020404" pitchFamily="49" charset="0"/>
+              </a:rPr>
+              <a:t>snap</a:t>
+            </a:r>
+            <a:r>
+              <a:rPr lang="de-DE" sz="2400" dirty="0">
+                <a:latin typeface="Courier New" panose="02070309020205020404" pitchFamily="49" charset="0"/>
+                <a:cs typeface="Courier New" panose="02070309020205020404" pitchFamily="49" charset="0"/>
+              </a:rPr>
+              <a:t> </a:t>
+            </a:r>
+            <a:r>
+              <a:rPr lang="de-DE" sz="2400" dirty="0" err="1">
+                <a:latin typeface="Courier New" panose="02070309020205020404" pitchFamily="49" charset="0"/>
+                <a:cs typeface="Courier New" panose="02070309020205020404" pitchFamily="49" charset="0"/>
+              </a:rPr>
+              <a:t>install</a:t>
+            </a:r>
+            <a:r>
+              <a:rPr lang="de-DE" sz="2400" dirty="0">
+                <a:latin typeface="Courier New" panose="02070309020205020404" pitchFamily="49" charset="0"/>
+                <a:cs typeface="Courier New" panose="02070309020205020404" pitchFamily="49" charset="0"/>
+              </a:rPr>
+              <a:t> </a:t>
+            </a:r>
+            <a:r>
+              <a:rPr lang="de-DE" sz="2400" dirty="0" err="1">
+                <a:latin typeface="Courier New" panose="02070309020205020404" pitchFamily="49" charset="0"/>
+                <a:cs typeface="Courier New" panose="02070309020205020404" pitchFamily="49" charset="0"/>
+              </a:rPr>
+              <a:t>docker</a:t>
+            </a:r>
+            <a:endParaRPr lang="de-DE" sz="2400" dirty="0">
+              <a:latin typeface="Courier New" panose="02070309020205020404" pitchFamily="49" charset="0"/>
+              <a:cs typeface="Courier New" panose="02070309020205020404" pitchFamily="49" charset="0"/>
+            </a:endParaRPr>
+          </a:p>
+          <a:p>
+            <a:pPr marL="0" indent="0">
+              <a:buNone/>
+            </a:pPr>
+            <a:r>
+              <a:rPr lang="de-DE" sz="2400" dirty="0">
+                <a:latin typeface="Courier New" panose="02070309020205020404" pitchFamily="49" charset="0"/>
+                <a:cs typeface="Courier New" panose="02070309020205020404" pitchFamily="49" charset="0"/>
+              </a:rPr>
+              <a:t>	</a:t>
+            </a:r>
+            <a:r>
+              <a:rPr lang="de-DE" sz="2400" dirty="0" err="1">
+                <a:latin typeface="Courier New" panose="02070309020205020404" pitchFamily="49" charset="0"/>
+                <a:cs typeface="Courier New" panose="02070309020205020404" pitchFamily="49" charset="0"/>
+              </a:rPr>
+              <a:t>sudo</a:t>
+            </a:r>
+            <a:r>
+              <a:rPr lang="de-DE" sz="2400" dirty="0">
+                <a:latin typeface="Courier New" panose="02070309020205020404" pitchFamily="49" charset="0"/>
+                <a:cs typeface="Courier New" panose="02070309020205020404" pitchFamily="49" charset="0"/>
+              </a:rPr>
+              <a:t> </a:t>
+            </a:r>
+            <a:r>
+              <a:rPr lang="de-DE" sz="2400" dirty="0" err="1">
+                <a:latin typeface="Courier New" panose="02070309020205020404" pitchFamily="49" charset="0"/>
+                <a:cs typeface="Courier New" panose="02070309020205020404" pitchFamily="49" charset="0"/>
+              </a:rPr>
+              <a:t>addgroup</a:t>
+            </a:r>
+            <a:r>
+              <a:rPr lang="de-DE" sz="2400" dirty="0">
+                <a:latin typeface="Courier New" panose="02070309020205020404" pitchFamily="49" charset="0"/>
+                <a:cs typeface="Courier New" panose="02070309020205020404" pitchFamily="49" charset="0"/>
+              </a:rPr>
+              <a:t> --system </a:t>
+            </a:r>
+            <a:r>
+              <a:rPr lang="de-DE" sz="2400" dirty="0" err="1">
+                <a:latin typeface="Courier New" panose="02070309020205020404" pitchFamily="49" charset="0"/>
+                <a:cs typeface="Courier New" panose="02070309020205020404" pitchFamily="49" charset="0"/>
+              </a:rPr>
+              <a:t>docker</a:t>
+            </a:r>
+            <a:endParaRPr lang="de-DE" sz="2400" dirty="0">
+              <a:latin typeface="Courier New" panose="02070309020205020404" pitchFamily="49" charset="0"/>
+              <a:cs typeface="Courier New" panose="02070309020205020404" pitchFamily="49" charset="0"/>
+            </a:endParaRPr>
+          </a:p>
+          <a:p>
+            <a:pPr marL="0" indent="0">
+              <a:buNone/>
+            </a:pPr>
+            <a:r>
+              <a:rPr lang="de-DE" sz="2400" dirty="0">
+                <a:latin typeface="Courier New" panose="02070309020205020404" pitchFamily="49" charset="0"/>
+                <a:cs typeface="Courier New" panose="02070309020205020404" pitchFamily="49" charset="0"/>
+              </a:rPr>
+              <a:t>	</a:t>
+            </a:r>
+            <a:r>
+              <a:rPr lang="de-DE" sz="2400" dirty="0" err="1">
+                <a:latin typeface="Courier New" panose="02070309020205020404" pitchFamily="49" charset="0"/>
+                <a:cs typeface="Courier New" panose="02070309020205020404" pitchFamily="49" charset="0"/>
+              </a:rPr>
+              <a:t>sudo</a:t>
+            </a:r>
+            <a:r>
+              <a:rPr lang="de-DE" sz="2400" dirty="0">
+                <a:latin typeface="Courier New" panose="02070309020205020404" pitchFamily="49" charset="0"/>
+                <a:cs typeface="Courier New" panose="02070309020205020404" pitchFamily="49" charset="0"/>
+              </a:rPr>
+              <a:t> </a:t>
+            </a:r>
+            <a:r>
+              <a:rPr lang="de-DE" sz="2400" dirty="0" err="1">
+                <a:latin typeface="Courier New" panose="02070309020205020404" pitchFamily="49" charset="0"/>
+                <a:cs typeface="Courier New" panose="02070309020205020404" pitchFamily="49" charset="0"/>
+              </a:rPr>
+              <a:t>adduser</a:t>
+            </a:r>
+            <a:r>
+              <a:rPr lang="de-DE" sz="2400" dirty="0">
+                <a:latin typeface="Courier New" panose="02070309020205020404" pitchFamily="49" charset="0"/>
+                <a:cs typeface="Courier New" panose="02070309020205020404" pitchFamily="49" charset="0"/>
+              </a:rPr>
+              <a:t> $USER </a:t>
+            </a:r>
+            <a:r>
+              <a:rPr lang="de-DE" sz="2400" dirty="0" err="1">
+                <a:latin typeface="Courier New" panose="02070309020205020404" pitchFamily="49" charset="0"/>
+                <a:cs typeface="Courier New" panose="02070309020205020404" pitchFamily="49" charset="0"/>
+              </a:rPr>
+              <a:t>docker</a:t>
+            </a:r>
+            <a:endParaRPr lang="de-DE" sz="2400" dirty="0">
+              <a:latin typeface="Courier New" panose="02070309020205020404" pitchFamily="49" charset="0"/>
+              <a:cs typeface="Courier New" panose="02070309020205020404" pitchFamily="49" charset="0"/>
+            </a:endParaRPr>
+          </a:p>
+          <a:p>
+            <a:pPr marL="0" indent="0">
+              <a:buNone/>
+            </a:pPr>
+            <a:r>
+              <a:rPr lang="de-DE" sz="2400" dirty="0">
+                <a:latin typeface="Courier New" panose="02070309020205020404" pitchFamily="49" charset="0"/>
+                <a:cs typeface="Courier New" panose="02070309020205020404" pitchFamily="49" charset="0"/>
+              </a:rPr>
+              <a:t>	</a:t>
+            </a:r>
+            <a:r>
+              <a:rPr lang="de-DE" sz="2400" dirty="0" err="1">
+                <a:latin typeface="Courier New" panose="02070309020205020404" pitchFamily="49" charset="0"/>
+                <a:cs typeface="Courier New" panose="02070309020205020404" pitchFamily="49" charset="0"/>
+              </a:rPr>
+              <a:t>sudo</a:t>
+            </a:r>
+            <a:r>
+              <a:rPr lang="de-DE" sz="2400" dirty="0">
+                <a:latin typeface="Courier New" panose="02070309020205020404" pitchFamily="49" charset="0"/>
+                <a:cs typeface="Courier New" panose="02070309020205020404" pitchFamily="49" charset="0"/>
+              </a:rPr>
+              <a:t> </a:t>
+            </a:r>
+            <a:r>
+              <a:rPr lang="de-DE" sz="2400" dirty="0" err="1">
+                <a:latin typeface="Courier New" panose="02070309020205020404" pitchFamily="49" charset="0"/>
+                <a:cs typeface="Courier New" panose="02070309020205020404" pitchFamily="49" charset="0"/>
+              </a:rPr>
+              <a:t>shutdown</a:t>
+            </a:r>
+            <a:r>
+              <a:rPr lang="de-DE" sz="2400" dirty="0">
+                <a:latin typeface="Courier New" panose="02070309020205020404" pitchFamily="49" charset="0"/>
+                <a:cs typeface="Courier New" panose="02070309020205020404" pitchFamily="49" charset="0"/>
+              </a:rPr>
+              <a:t> -h </a:t>
+            </a:r>
+            <a:r>
+              <a:rPr lang="de-DE" sz="2400" dirty="0" err="1">
+                <a:latin typeface="Courier New" panose="02070309020205020404" pitchFamily="49" charset="0"/>
+                <a:cs typeface="Courier New" panose="02070309020205020404" pitchFamily="49" charset="0"/>
+              </a:rPr>
+              <a:t>now</a:t>
+            </a:r>
+            <a:endParaRPr lang="de-DE" sz="2400" dirty="0">
+              <a:latin typeface="Courier New" panose="02070309020205020404" pitchFamily="49" charset="0"/>
+              <a:cs typeface="Courier New" panose="02070309020205020404" pitchFamily="49" charset="0"/>
+            </a:endParaRPr>
+          </a:p>
+        </p:txBody>
+      </p:sp>
+    </p:spTree>
+    <p:extLst>
+      <p:ext uri="{BB962C8B-B14F-4D97-AF65-F5344CB8AC3E}">
+        <p14:creationId xmlns:p14="http://schemas.microsoft.com/office/powerpoint/2010/main" val="1270310899"/>
+      </p:ext>
+    </p:extLst>
+  </p:cSld>
+  <p:clrMapOvr>
+    <a:masterClrMapping/>
+  </p:clrMapOvr>
+</p:sld>
+</file>
+
+<file path=ppt/slides/slide6.xml><?xml version="1.0" encoding="utf-8"?>
+<p:sld xmlns:a="http://schemas.openxmlformats.org/drawingml/2006/main" xmlns:r="http://schemas.openxmlformats.org/officeDocument/2006/relationships" xmlns:p="http://schemas.openxmlformats.org/presentationml/2006/main">
+  <p:cSld>
+    <p:spTree>
+      <p:nvGrpSpPr>
+        <p:cNvPr id="1" name=""/>
+        <p:cNvGrpSpPr/>
+        <p:nvPr/>
+      </p:nvGrpSpPr>
+      <p:grpSpPr>
+        <a:xfrm>
+          <a:off x="0" y="0"/>
+          <a:ext cx="0" cy="0"/>
+          <a:chOff x="0" y="0"/>
+          <a:chExt cx="0" cy="0"/>
+        </a:xfrm>
+      </p:grpSpPr>
+      <p:sp>
+        <p:nvSpPr>
+          <p:cNvPr id="2" name="Titel 1">
+            <a:extLst>
+              <a:ext uri="{FF2B5EF4-FFF2-40B4-BE49-F238E27FC236}">
                 <a16:creationId xmlns:a16="http://schemas.microsoft.com/office/drawing/2014/main" id="{97B81511-FD40-5DFB-A11C-439D47FC7E4E}"/>
               </a:ext>
             </a:extLst>
@@ -5068,7 +5340,7 @@
 </p:sld>
 </file>
 
-<file path=ppt/slides/slide6.xml><?xml version="1.0" encoding="utf-8"?>
+<file path=ppt/slides/slide7.xml><?xml version="1.0" encoding="utf-8"?>
 <p:sld xmlns:a="http://schemas.openxmlformats.org/drawingml/2006/main" xmlns:r="http://schemas.openxmlformats.org/officeDocument/2006/relationships" xmlns:p="http://schemas.openxmlformats.org/presentationml/2006/main">
   <p:cSld>
     <p:spTree>

--- a/sample/kubernetes/Bring your own device - Vorbereitung.pptx
+++ b/sample/kubernetes/Bring your own device - Vorbereitung.pptx
@@ -5,7 +5,7 @@
     <p:sldMasterId id="2147483648" r:id="rId1"/>
   </p:sldMasterIdLst>
   <p:notesMasterIdLst>
-    <p:notesMasterId r:id="rId9"/>
+    <p:notesMasterId r:id="rId10"/>
   </p:notesMasterIdLst>
   <p:sldIdLst>
     <p:sldId id="256" r:id="rId2"/>
@@ -15,6 +15,7 @@
     <p:sldId id="265" r:id="rId6"/>
     <p:sldId id="268" r:id="rId7"/>
     <p:sldId id="273" r:id="rId8"/>
+    <p:sldId id="275" r:id="rId9"/>
   </p:sldIdLst>
   <p:sldSz cx="12192000" cy="6858000"/>
   <p:notesSz cx="6858000" cy="9144000"/>
@@ -4484,6 +4485,66 @@
             <a:pPr marL="457200" lvl="1" indent="0">
               <a:buNone/>
             </a:pPr>
+            <a:r>
+              <a:rPr lang="de-DE" dirty="0">
+                <a:latin typeface="Courier New" panose="02070309020205020404" pitchFamily="49" charset="0"/>
+                <a:cs typeface="Courier New" panose="02070309020205020404" pitchFamily="49" charset="0"/>
+              </a:rPr>
+              <a:t>multipass launch --name </a:t>
+            </a:r>
+            <a:r>
+              <a:rPr lang="de-DE" dirty="0" err="1">
+                <a:latin typeface="Courier New" panose="02070309020205020404" pitchFamily="49" charset="0"/>
+                <a:cs typeface="Courier New" panose="02070309020205020404" pitchFamily="49" charset="0"/>
+              </a:rPr>
+              <a:t>db</a:t>
+            </a:r>
+            <a:r>
+              <a:rPr lang="de-DE" dirty="0">
+                <a:latin typeface="Courier New" panose="02070309020205020404" pitchFamily="49" charset="0"/>
+                <a:cs typeface="Courier New" panose="02070309020205020404" pitchFamily="49" charset="0"/>
+              </a:rPr>
+              <a:t> --</a:t>
+            </a:r>
+            <a:r>
+              <a:rPr lang="de-DE" dirty="0" err="1">
+                <a:latin typeface="Courier New" panose="02070309020205020404" pitchFamily="49" charset="0"/>
+                <a:cs typeface="Courier New" panose="02070309020205020404" pitchFamily="49" charset="0"/>
+              </a:rPr>
+              <a:t>cpus</a:t>
+            </a:r>
+            <a:r>
+              <a:rPr lang="de-DE" dirty="0">
+                <a:latin typeface="Courier New" panose="02070309020205020404" pitchFamily="49" charset="0"/>
+                <a:cs typeface="Courier New" panose="02070309020205020404" pitchFamily="49" charset="0"/>
+              </a:rPr>
+              <a:t> 2 --memory 2G --disk 20G </a:t>
+            </a:r>
+            <a:r>
+              <a:rPr lang="de-DE" dirty="0" err="1">
+                <a:latin typeface="Courier New" panose="02070309020205020404" pitchFamily="49" charset="0"/>
+                <a:cs typeface="Courier New" panose="02070309020205020404" pitchFamily="49" charset="0"/>
+              </a:rPr>
+              <a:t>lts</a:t>
+            </a:r>
+            <a:endParaRPr lang="de-DE" dirty="0">
+              <a:latin typeface="Courier New" panose="02070309020205020404" pitchFamily="49" charset="0"/>
+              <a:cs typeface="Courier New" panose="02070309020205020404" pitchFamily="49" charset="0"/>
+            </a:endParaRPr>
+          </a:p>
+          <a:p>
+            <a:pPr marL="457200" lvl="1" indent="0">
+              <a:buNone/>
+            </a:pPr>
+            <a:endParaRPr lang="de-DE" dirty="0">
+              <a:latin typeface="Courier New" panose="02070309020205020404" pitchFamily="49" charset="0"/>
+              <a:cs typeface="Courier New" panose="02070309020205020404" pitchFamily="49" charset="0"/>
+            </a:endParaRPr>
+          </a:p>
+          <a:p>
+            <a:pPr marL="457200" lvl="1" indent="0">
+              <a:buNone/>
+            </a:pPr>
             <a:endParaRPr lang="de-DE" dirty="0">
               <a:latin typeface="Courier New" panose="02070309020205020404" pitchFamily="49" charset="0"/>
               <a:cs typeface="Courier New" panose="02070309020205020404" pitchFamily="49" charset="0"/>
@@ -4585,7 +4646,10 @@
               <a:t>Software auf </a:t>
             </a:r>
             <a:r>
-              <a:rPr lang="de-DE" dirty="0" err="1"/>
+              <a:rPr lang="de-DE" dirty="0" err="1">
+                <a:latin typeface="Courier New" panose="02070309020205020404" pitchFamily="49" charset="0"/>
+                <a:cs typeface="Courier New" panose="02070309020205020404" pitchFamily="49" charset="0"/>
+              </a:rPr>
               <a:t>master</a:t>
             </a:r>
             <a:r>
@@ -5609,6 +5673,360 @@
     <p:extLst>
       <p:ext uri="{BB962C8B-B14F-4D97-AF65-F5344CB8AC3E}">
         <p14:creationId xmlns:p14="http://schemas.microsoft.com/office/powerpoint/2010/main" val="2404411221"/>
+      </p:ext>
+    </p:extLst>
+  </p:cSld>
+  <p:clrMapOvr>
+    <a:masterClrMapping/>
+  </p:clrMapOvr>
+</p:sld>
+</file>
+
+<file path=ppt/slides/slide8.xml><?xml version="1.0" encoding="utf-8"?>
+<p:sld xmlns:a="http://schemas.openxmlformats.org/drawingml/2006/main" xmlns:r="http://schemas.openxmlformats.org/officeDocument/2006/relationships" xmlns:p="http://schemas.openxmlformats.org/presentationml/2006/main">
+  <p:cSld>
+    <p:spTree>
+      <p:nvGrpSpPr>
+        <p:cNvPr id="1" name=""/>
+        <p:cNvGrpSpPr/>
+        <p:nvPr/>
+      </p:nvGrpSpPr>
+      <p:grpSpPr>
+        <a:xfrm>
+          <a:off x="0" y="0"/>
+          <a:ext cx="0" cy="0"/>
+          <a:chOff x="0" y="0"/>
+          <a:chExt cx="0" cy="0"/>
+        </a:xfrm>
+      </p:grpSpPr>
+      <p:sp>
+        <p:nvSpPr>
+          <p:cNvPr id="2" name="Titel 1">
+            <a:extLst>
+              <a:ext uri="{FF2B5EF4-FFF2-40B4-BE49-F238E27FC236}">
+                <a16:creationId xmlns:a16="http://schemas.microsoft.com/office/drawing/2014/main" id="{54472761-F6BA-A4DF-6E97-094AE60B729E}"/>
+              </a:ext>
+            </a:extLst>
+          </p:cNvPr>
+          <p:cNvSpPr>
+            <a:spLocks noGrp="1"/>
+          </p:cNvSpPr>
+          <p:nvPr>
+            <p:ph type="title"/>
+          </p:nvPr>
+        </p:nvSpPr>
+        <p:spPr/>
+        <p:txBody>
+          <a:bodyPr/>
+          <a:lstStyle/>
+          <a:p>
+            <a:r>
+              <a:rPr lang="de-DE" dirty="0"/>
+              <a:t>Datenbank-Server einrichten</a:t>
+            </a:r>
+          </a:p>
+        </p:txBody>
+      </p:sp>
+      <p:sp>
+        <p:nvSpPr>
+          <p:cNvPr id="3" name="Inhaltsplatzhalter 2">
+            <a:extLst>
+              <a:ext uri="{FF2B5EF4-FFF2-40B4-BE49-F238E27FC236}">
+                <a16:creationId xmlns:a16="http://schemas.microsoft.com/office/drawing/2014/main" id="{A6C84D30-D395-411D-5201-F8BC8F103909}"/>
+              </a:ext>
+            </a:extLst>
+          </p:cNvPr>
+          <p:cNvSpPr>
+            <a:spLocks noGrp="1"/>
+          </p:cNvSpPr>
+          <p:nvPr>
+            <p:ph idx="1"/>
+          </p:nvPr>
+        </p:nvSpPr>
+        <p:spPr/>
+        <p:txBody>
+          <a:bodyPr>
+            <a:normAutofit/>
+          </a:bodyPr>
+          <a:lstStyle/>
+          <a:p>
+            <a:r>
+              <a:rPr lang="de-DE" dirty="0"/>
+              <a:t>Software auf </a:t>
+            </a:r>
+            <a:r>
+              <a:rPr lang="de-DE" dirty="0" err="1">
+                <a:latin typeface="Courier New" panose="02070309020205020404" pitchFamily="49" charset="0"/>
+                <a:cs typeface="Courier New" panose="02070309020205020404" pitchFamily="49" charset="0"/>
+              </a:rPr>
+              <a:t>db</a:t>
+            </a:r>
+            <a:r>
+              <a:rPr lang="de-DE" dirty="0"/>
+              <a:t> installieren:</a:t>
+            </a:r>
+          </a:p>
+          <a:p>
+            <a:pPr marL="0" indent="0">
+              <a:buNone/>
+            </a:pPr>
+            <a:r>
+              <a:rPr lang="de-DE" sz="2400" dirty="0">
+                <a:latin typeface="Courier New" panose="02070309020205020404" pitchFamily="49" charset="0"/>
+                <a:cs typeface="Courier New" panose="02070309020205020404" pitchFamily="49" charset="0"/>
+              </a:rPr>
+              <a:t>	multipass </a:t>
+            </a:r>
+            <a:r>
+              <a:rPr lang="de-DE" sz="2400" dirty="0" err="1">
+                <a:latin typeface="Courier New" panose="02070309020205020404" pitchFamily="49" charset="0"/>
+                <a:cs typeface="Courier New" panose="02070309020205020404" pitchFamily="49" charset="0"/>
+              </a:rPr>
+              <a:t>shell</a:t>
+            </a:r>
+            <a:r>
+              <a:rPr lang="de-DE" sz="2400" dirty="0">
+                <a:latin typeface="Courier New" panose="02070309020205020404" pitchFamily="49" charset="0"/>
+                <a:cs typeface="Courier New" panose="02070309020205020404" pitchFamily="49" charset="0"/>
+              </a:rPr>
+              <a:t> </a:t>
+            </a:r>
+            <a:r>
+              <a:rPr lang="de-DE" sz="2400" dirty="0" err="1">
+                <a:latin typeface="Courier New" panose="02070309020205020404" pitchFamily="49" charset="0"/>
+                <a:cs typeface="Courier New" panose="02070309020205020404" pitchFamily="49" charset="0"/>
+              </a:rPr>
+              <a:t>master</a:t>
+            </a:r>
+            <a:endParaRPr lang="de-DE" sz="2400" dirty="0">
+              <a:latin typeface="Courier New" panose="02070309020205020404" pitchFamily="49" charset="0"/>
+              <a:cs typeface="Courier New" panose="02070309020205020404" pitchFamily="49" charset="0"/>
+            </a:endParaRPr>
+          </a:p>
+          <a:p>
+            <a:pPr marL="0" indent="0">
+              <a:buNone/>
+            </a:pPr>
+            <a:r>
+              <a:rPr lang="de-DE" sz="2400" dirty="0">
+                <a:latin typeface="Courier New" panose="02070309020205020404" pitchFamily="49" charset="0"/>
+                <a:cs typeface="Courier New" panose="02070309020205020404" pitchFamily="49" charset="0"/>
+              </a:rPr>
+              <a:t>	</a:t>
+            </a:r>
+            <a:r>
+              <a:rPr lang="de-DE" sz="2400" dirty="0" err="1">
+                <a:latin typeface="Courier New" panose="02070309020205020404" pitchFamily="49" charset="0"/>
+                <a:cs typeface="Courier New" panose="02070309020205020404" pitchFamily="49" charset="0"/>
+              </a:rPr>
+              <a:t>sudo</a:t>
+            </a:r>
+            <a:r>
+              <a:rPr lang="de-DE" sz="2400" dirty="0">
+                <a:latin typeface="Courier New" panose="02070309020205020404" pitchFamily="49" charset="0"/>
+                <a:cs typeface="Courier New" panose="02070309020205020404" pitchFamily="49" charset="0"/>
+              </a:rPr>
+              <a:t> </a:t>
+            </a:r>
+            <a:r>
+              <a:rPr lang="de-DE" sz="2400" dirty="0" err="1">
+                <a:latin typeface="Courier New" panose="02070309020205020404" pitchFamily="49" charset="0"/>
+                <a:cs typeface="Courier New" panose="02070309020205020404" pitchFamily="49" charset="0"/>
+              </a:rPr>
+              <a:t>snap</a:t>
+            </a:r>
+            <a:r>
+              <a:rPr lang="de-DE" sz="2400" dirty="0">
+                <a:latin typeface="Courier New" panose="02070309020205020404" pitchFamily="49" charset="0"/>
+                <a:cs typeface="Courier New" panose="02070309020205020404" pitchFamily="49" charset="0"/>
+              </a:rPr>
+              <a:t> </a:t>
+            </a:r>
+            <a:r>
+              <a:rPr lang="de-DE" sz="2400" dirty="0" err="1">
+                <a:latin typeface="Courier New" panose="02070309020205020404" pitchFamily="49" charset="0"/>
+                <a:cs typeface="Courier New" panose="02070309020205020404" pitchFamily="49" charset="0"/>
+              </a:rPr>
+              <a:t>install</a:t>
+            </a:r>
+            <a:r>
+              <a:rPr lang="de-DE" sz="2400" dirty="0">
+                <a:latin typeface="Courier New" panose="02070309020205020404" pitchFamily="49" charset="0"/>
+                <a:cs typeface="Courier New" panose="02070309020205020404" pitchFamily="49" charset="0"/>
+              </a:rPr>
+              <a:t> </a:t>
+            </a:r>
+            <a:r>
+              <a:rPr lang="de-DE" sz="2400" dirty="0" err="1">
+                <a:latin typeface="Courier New" panose="02070309020205020404" pitchFamily="49" charset="0"/>
+                <a:cs typeface="Courier New" panose="02070309020205020404" pitchFamily="49" charset="0"/>
+              </a:rPr>
+              <a:t>docker</a:t>
+            </a:r>
+            <a:endParaRPr lang="de-DE" sz="2400" dirty="0">
+              <a:latin typeface="Courier New" panose="02070309020205020404" pitchFamily="49" charset="0"/>
+              <a:cs typeface="Courier New" panose="02070309020205020404" pitchFamily="49" charset="0"/>
+            </a:endParaRPr>
+          </a:p>
+          <a:p>
+            <a:pPr marL="0" indent="0">
+              <a:buNone/>
+            </a:pPr>
+            <a:r>
+              <a:rPr lang="de-DE" sz="2400" dirty="0">
+                <a:latin typeface="Courier New" panose="02070309020205020404" pitchFamily="49" charset="0"/>
+                <a:cs typeface="Courier New" panose="02070309020205020404" pitchFamily="49" charset="0"/>
+              </a:rPr>
+              <a:t>	</a:t>
+            </a:r>
+            <a:r>
+              <a:rPr lang="de-DE" sz="2400" dirty="0" err="1">
+                <a:latin typeface="Courier New" panose="02070309020205020404" pitchFamily="49" charset="0"/>
+                <a:cs typeface="Courier New" panose="02070309020205020404" pitchFamily="49" charset="0"/>
+              </a:rPr>
+              <a:t>sudo</a:t>
+            </a:r>
+            <a:r>
+              <a:rPr lang="de-DE" sz="2400" dirty="0">
+                <a:latin typeface="Courier New" panose="02070309020205020404" pitchFamily="49" charset="0"/>
+                <a:cs typeface="Courier New" panose="02070309020205020404" pitchFamily="49" charset="0"/>
+              </a:rPr>
+              <a:t> </a:t>
+            </a:r>
+            <a:r>
+              <a:rPr lang="de-DE" sz="2400" dirty="0" err="1">
+                <a:latin typeface="Courier New" panose="02070309020205020404" pitchFamily="49" charset="0"/>
+                <a:cs typeface="Courier New" panose="02070309020205020404" pitchFamily="49" charset="0"/>
+              </a:rPr>
+              <a:t>addgroup</a:t>
+            </a:r>
+            <a:r>
+              <a:rPr lang="de-DE" sz="2400" dirty="0">
+                <a:latin typeface="Courier New" panose="02070309020205020404" pitchFamily="49" charset="0"/>
+                <a:cs typeface="Courier New" panose="02070309020205020404" pitchFamily="49" charset="0"/>
+              </a:rPr>
+              <a:t> --system </a:t>
+            </a:r>
+            <a:r>
+              <a:rPr lang="de-DE" sz="2400" dirty="0" err="1">
+                <a:latin typeface="Courier New" panose="02070309020205020404" pitchFamily="49" charset="0"/>
+                <a:cs typeface="Courier New" panose="02070309020205020404" pitchFamily="49" charset="0"/>
+              </a:rPr>
+              <a:t>docker</a:t>
+            </a:r>
+            <a:endParaRPr lang="de-DE" sz="2400" dirty="0">
+              <a:latin typeface="Courier New" panose="02070309020205020404" pitchFamily="49" charset="0"/>
+              <a:cs typeface="Courier New" panose="02070309020205020404" pitchFamily="49" charset="0"/>
+            </a:endParaRPr>
+          </a:p>
+          <a:p>
+            <a:pPr marL="0" indent="0">
+              <a:buNone/>
+            </a:pPr>
+            <a:r>
+              <a:rPr lang="de-DE" sz="2400" dirty="0">
+                <a:latin typeface="Courier New" panose="02070309020205020404" pitchFamily="49" charset="0"/>
+                <a:cs typeface="Courier New" panose="02070309020205020404" pitchFamily="49" charset="0"/>
+              </a:rPr>
+              <a:t>	</a:t>
+            </a:r>
+            <a:r>
+              <a:rPr lang="de-DE" sz="2400" dirty="0" err="1">
+                <a:latin typeface="Courier New" panose="02070309020205020404" pitchFamily="49" charset="0"/>
+                <a:cs typeface="Courier New" panose="02070309020205020404" pitchFamily="49" charset="0"/>
+              </a:rPr>
+              <a:t>sudo</a:t>
+            </a:r>
+            <a:r>
+              <a:rPr lang="de-DE" sz="2400" dirty="0">
+                <a:latin typeface="Courier New" panose="02070309020205020404" pitchFamily="49" charset="0"/>
+                <a:cs typeface="Courier New" panose="02070309020205020404" pitchFamily="49" charset="0"/>
+              </a:rPr>
+              <a:t> </a:t>
+            </a:r>
+            <a:r>
+              <a:rPr lang="de-DE" sz="2400" dirty="0" err="1">
+                <a:latin typeface="Courier New" panose="02070309020205020404" pitchFamily="49" charset="0"/>
+                <a:cs typeface="Courier New" panose="02070309020205020404" pitchFamily="49" charset="0"/>
+              </a:rPr>
+              <a:t>adduser</a:t>
+            </a:r>
+            <a:r>
+              <a:rPr lang="de-DE" sz="2400" dirty="0">
+                <a:latin typeface="Courier New" panose="02070309020205020404" pitchFamily="49" charset="0"/>
+                <a:cs typeface="Courier New" panose="02070309020205020404" pitchFamily="49" charset="0"/>
+              </a:rPr>
+              <a:t> $USER </a:t>
+            </a:r>
+            <a:r>
+              <a:rPr lang="de-DE" sz="2400" dirty="0" err="1">
+                <a:latin typeface="Courier New" panose="02070309020205020404" pitchFamily="49" charset="0"/>
+                <a:cs typeface="Courier New" panose="02070309020205020404" pitchFamily="49" charset="0"/>
+              </a:rPr>
+              <a:t>docker</a:t>
+            </a:r>
+            <a:endParaRPr lang="de-DE" sz="2400" dirty="0">
+              <a:latin typeface="Courier New" panose="02070309020205020404" pitchFamily="49" charset="0"/>
+              <a:cs typeface="Courier New" panose="02070309020205020404" pitchFamily="49" charset="0"/>
+            </a:endParaRPr>
+          </a:p>
+          <a:p>
+            <a:pPr marL="0" indent="0">
+              <a:buNone/>
+            </a:pPr>
+            <a:r>
+              <a:rPr lang="de-DE" sz="2400" dirty="0">
+                <a:latin typeface="Courier New" panose="02070309020205020404" pitchFamily="49" charset="0"/>
+                <a:cs typeface="Courier New" panose="02070309020205020404" pitchFamily="49" charset="0"/>
+              </a:rPr>
+              <a:t>	</a:t>
+            </a:r>
+            <a:r>
+              <a:rPr lang="de-DE" sz="2400" dirty="0" err="1">
+                <a:latin typeface="Courier New" panose="02070309020205020404" pitchFamily="49" charset="0"/>
+                <a:cs typeface="Courier New" panose="02070309020205020404" pitchFamily="49" charset="0"/>
+              </a:rPr>
+              <a:t>sudo</a:t>
+            </a:r>
+            <a:r>
+              <a:rPr lang="de-DE" sz="2400" dirty="0">
+                <a:latin typeface="Courier New" panose="02070309020205020404" pitchFamily="49" charset="0"/>
+                <a:cs typeface="Courier New" panose="02070309020205020404" pitchFamily="49" charset="0"/>
+              </a:rPr>
+              <a:t> </a:t>
+            </a:r>
+            <a:r>
+              <a:rPr lang="de-DE" sz="2400" dirty="0" err="1">
+                <a:latin typeface="Courier New" panose="02070309020205020404" pitchFamily="49" charset="0"/>
+                <a:cs typeface="Courier New" panose="02070309020205020404" pitchFamily="49" charset="0"/>
+              </a:rPr>
+              <a:t>shutdown</a:t>
+            </a:r>
+            <a:r>
+              <a:rPr lang="de-DE" sz="2400" dirty="0">
+                <a:latin typeface="Courier New" panose="02070309020205020404" pitchFamily="49" charset="0"/>
+                <a:cs typeface="Courier New" panose="02070309020205020404" pitchFamily="49" charset="0"/>
+              </a:rPr>
+              <a:t> -h </a:t>
+            </a:r>
+            <a:r>
+              <a:rPr lang="de-DE" sz="2400" dirty="0" err="1">
+                <a:latin typeface="Courier New" panose="02070309020205020404" pitchFamily="49" charset="0"/>
+                <a:cs typeface="Courier New" panose="02070309020205020404" pitchFamily="49" charset="0"/>
+              </a:rPr>
+              <a:t>now</a:t>
+            </a:r>
+            <a:endParaRPr lang="de-DE" sz="2400" dirty="0">
+              <a:latin typeface="Courier New" panose="02070309020205020404" pitchFamily="49" charset="0"/>
+              <a:cs typeface="Courier New" panose="02070309020205020404" pitchFamily="49" charset="0"/>
+            </a:endParaRPr>
+          </a:p>
+        </p:txBody>
+      </p:sp>
+    </p:spTree>
+    <p:extLst>
+      <p:ext uri="{BB962C8B-B14F-4D97-AF65-F5344CB8AC3E}">
+        <p14:creationId xmlns:p14="http://schemas.microsoft.com/office/powerpoint/2010/main" val="2421014205"/>
       </p:ext>
     </p:extLst>
   </p:cSld>

--- a/sample/kubernetes/Bring your own device - Vorbereitung.pptx
+++ b/sample/kubernetes/Bring your own device - Vorbereitung.pptx
@@ -204,7 +204,7 @@
           <a:p>
             <a:fld id="{5CCD219F-F703-C14B-A05B-DA5DAB0DC4D2}" type="datetimeFigureOut">
               <a:rPr lang="de-DE" smtClean="0"/>
-              <a:t>28.02.23</a:t>
+              <a:t>03.03.23</a:t>
             </a:fld>
             <a:endParaRPr lang="de-DE"/>
           </a:p>
@@ -702,7 +702,7 @@
           <a:p>
             <a:fld id="{6B40B35D-B481-DF4E-B1B0-2B6288A3F72B}" type="datetimeFigureOut">
               <a:rPr lang="de-DE" smtClean="0"/>
-              <a:t>28.02.23</a:t>
+              <a:t>03.03.23</a:t>
             </a:fld>
             <a:endParaRPr lang="de-DE"/>
           </a:p>
@@ -900,7 +900,7 @@
           <a:p>
             <a:fld id="{6B40B35D-B481-DF4E-B1B0-2B6288A3F72B}" type="datetimeFigureOut">
               <a:rPr lang="de-DE" smtClean="0"/>
-              <a:t>28.02.23</a:t>
+              <a:t>03.03.23</a:t>
             </a:fld>
             <a:endParaRPr lang="de-DE"/>
           </a:p>
@@ -1108,7 +1108,7 @@
           <a:p>
             <a:fld id="{6B40B35D-B481-DF4E-B1B0-2B6288A3F72B}" type="datetimeFigureOut">
               <a:rPr lang="de-DE" smtClean="0"/>
-              <a:t>28.02.23</a:t>
+              <a:t>03.03.23</a:t>
             </a:fld>
             <a:endParaRPr lang="de-DE"/>
           </a:p>
@@ -1306,7 +1306,7 @@
           <a:p>
             <a:fld id="{6B40B35D-B481-DF4E-B1B0-2B6288A3F72B}" type="datetimeFigureOut">
               <a:rPr lang="de-DE" smtClean="0"/>
-              <a:t>28.02.23</a:t>
+              <a:t>03.03.23</a:t>
             </a:fld>
             <a:endParaRPr lang="de-DE"/>
           </a:p>
@@ -1581,7 +1581,7 @@
           <a:p>
             <a:fld id="{6B40B35D-B481-DF4E-B1B0-2B6288A3F72B}" type="datetimeFigureOut">
               <a:rPr lang="de-DE" smtClean="0"/>
-              <a:t>28.02.23</a:t>
+              <a:t>03.03.23</a:t>
             </a:fld>
             <a:endParaRPr lang="de-DE"/>
           </a:p>
@@ -1846,7 +1846,7 @@
           <a:p>
             <a:fld id="{6B40B35D-B481-DF4E-B1B0-2B6288A3F72B}" type="datetimeFigureOut">
               <a:rPr lang="de-DE" smtClean="0"/>
-              <a:t>28.02.23</a:t>
+              <a:t>03.03.23</a:t>
             </a:fld>
             <a:endParaRPr lang="de-DE"/>
           </a:p>
@@ -2258,7 +2258,7 @@
           <a:p>
             <a:fld id="{6B40B35D-B481-DF4E-B1B0-2B6288A3F72B}" type="datetimeFigureOut">
               <a:rPr lang="de-DE" smtClean="0"/>
-              <a:t>28.02.23</a:t>
+              <a:t>03.03.23</a:t>
             </a:fld>
             <a:endParaRPr lang="de-DE"/>
           </a:p>
@@ -2399,7 +2399,7 @@
           <a:p>
             <a:fld id="{6B40B35D-B481-DF4E-B1B0-2B6288A3F72B}" type="datetimeFigureOut">
               <a:rPr lang="de-DE" smtClean="0"/>
-              <a:t>28.02.23</a:t>
+              <a:t>03.03.23</a:t>
             </a:fld>
             <a:endParaRPr lang="de-DE"/>
           </a:p>
@@ -2512,7 +2512,7 @@
           <a:p>
             <a:fld id="{6B40B35D-B481-DF4E-B1B0-2B6288A3F72B}" type="datetimeFigureOut">
               <a:rPr lang="de-DE" smtClean="0"/>
-              <a:t>28.02.23</a:t>
+              <a:t>03.03.23</a:t>
             </a:fld>
             <a:endParaRPr lang="de-DE"/>
           </a:p>
@@ -2823,7 +2823,7 @@
           <a:p>
             <a:fld id="{6B40B35D-B481-DF4E-B1B0-2B6288A3F72B}" type="datetimeFigureOut">
               <a:rPr lang="de-DE" smtClean="0"/>
-              <a:t>28.02.23</a:t>
+              <a:t>03.03.23</a:t>
             </a:fld>
             <a:endParaRPr lang="de-DE"/>
           </a:p>
@@ -3111,7 +3111,7 @@
           <a:p>
             <a:fld id="{6B40B35D-B481-DF4E-B1B0-2B6288A3F72B}" type="datetimeFigureOut">
               <a:rPr lang="de-DE" smtClean="0"/>
-              <a:t>28.02.23</a:t>
+              <a:t>03.03.23</a:t>
             </a:fld>
             <a:endParaRPr lang="de-DE"/>
           </a:p>
@@ -3352,7 +3352,7 @@
           <a:p>
             <a:fld id="{6B40B35D-B481-DF4E-B1B0-2B6288A3F72B}" type="datetimeFigureOut">
               <a:rPr lang="de-DE" smtClean="0"/>
-              <a:t>28.02.23</a:t>
+              <a:t>03.03.23</a:t>
             </a:fld>
             <a:endParaRPr lang="de-DE"/>
           </a:p>
@@ -4361,48 +4361,48 @@
               <a:buNone/>
             </a:pPr>
             <a:r>
-              <a:rPr lang="de-DE" dirty="0">
+              <a:rPr lang="de-DE" sz="1800" dirty="0">
                 <a:latin typeface="Courier New" panose="02070309020205020404" pitchFamily="49" charset="0"/>
                 <a:cs typeface="Courier New" panose="02070309020205020404" pitchFamily="49" charset="0"/>
               </a:rPr>
               <a:t>multipass launch --name </a:t>
             </a:r>
             <a:r>
-              <a:rPr lang="de-DE" dirty="0" err="1">
+              <a:rPr lang="de-DE" sz="1800" dirty="0" err="1">
                 <a:latin typeface="Courier New" panose="02070309020205020404" pitchFamily="49" charset="0"/>
                 <a:cs typeface="Courier New" panose="02070309020205020404" pitchFamily="49" charset="0"/>
               </a:rPr>
               <a:t>master</a:t>
             </a:r>
             <a:r>
-              <a:rPr lang="de-DE" dirty="0">
+              <a:rPr lang="de-DE" sz="1800" dirty="0">
                 <a:latin typeface="Courier New" panose="02070309020205020404" pitchFamily="49" charset="0"/>
                 <a:cs typeface="Courier New" panose="02070309020205020404" pitchFamily="49" charset="0"/>
               </a:rPr>
               <a:t> --</a:t>
             </a:r>
             <a:r>
-              <a:rPr lang="de-DE" dirty="0" err="1">
+              <a:rPr lang="de-DE" sz="1800" dirty="0" err="1">
                 <a:latin typeface="Courier New" panose="02070309020205020404" pitchFamily="49" charset="0"/>
                 <a:cs typeface="Courier New" panose="02070309020205020404" pitchFamily="49" charset="0"/>
               </a:rPr>
               <a:t>cpus</a:t>
             </a:r>
             <a:r>
-              <a:rPr lang="de-DE" dirty="0">
+              <a:rPr lang="de-DE" sz="1800" dirty="0">
                 <a:latin typeface="Courier New" panose="02070309020205020404" pitchFamily="49" charset="0"/>
                 <a:cs typeface="Courier New" panose="02070309020205020404" pitchFamily="49" charset="0"/>
               </a:rPr>
               <a:t> 2 --memory 4G --disk 20G </a:t>
             </a:r>
             <a:r>
-              <a:rPr lang="de-DE" dirty="0" err="1">
+              <a:rPr lang="de-DE" sz="1800" dirty="0" err="1">
                 <a:latin typeface="Courier New" panose="02070309020205020404" pitchFamily="49" charset="0"/>
                 <a:cs typeface="Courier New" panose="02070309020205020404" pitchFamily="49" charset="0"/>
               </a:rPr>
               <a:t>lts</a:t>
             </a:r>
-            <a:endParaRPr lang="de-DE" dirty="0">
+            <a:endParaRPr lang="de-DE" sz="1800" dirty="0">
               <a:latin typeface="Courier New" panose="02070309020205020404" pitchFamily="49" charset="0"/>
               <a:cs typeface="Courier New" panose="02070309020205020404" pitchFamily="49" charset="0"/>
             </a:endParaRPr>
@@ -4412,34 +4412,34 @@
               <a:buNone/>
             </a:pPr>
             <a:r>
-              <a:rPr lang="de-DE" dirty="0">
+              <a:rPr lang="de-DE" sz="1800" dirty="0">
                 <a:latin typeface="Courier New" panose="02070309020205020404" pitchFamily="49" charset="0"/>
                 <a:cs typeface="Courier New" panose="02070309020205020404" pitchFamily="49" charset="0"/>
               </a:rPr>
               <a:t>multipass launch --name worker1 --</a:t>
             </a:r>
             <a:r>
-              <a:rPr lang="de-DE" dirty="0" err="1">
+              <a:rPr lang="de-DE" sz="1800" dirty="0" err="1">
                 <a:latin typeface="Courier New" panose="02070309020205020404" pitchFamily="49" charset="0"/>
                 <a:cs typeface="Courier New" panose="02070309020205020404" pitchFamily="49" charset="0"/>
               </a:rPr>
               <a:t>cpus</a:t>
             </a:r>
             <a:r>
-              <a:rPr lang="de-DE" dirty="0">
+              <a:rPr lang="de-DE" sz="1800" dirty="0">
                 <a:latin typeface="Courier New" panose="02070309020205020404" pitchFamily="49" charset="0"/>
                 <a:cs typeface="Courier New" panose="02070309020205020404" pitchFamily="49" charset="0"/>
               </a:rPr>
               <a:t> 2 --memory 4G --disk 20G </a:t>
             </a:r>
             <a:r>
-              <a:rPr lang="de-DE" dirty="0" err="1">
+              <a:rPr lang="de-DE" sz="1800" dirty="0" err="1">
                 <a:latin typeface="Courier New" panose="02070309020205020404" pitchFamily="49" charset="0"/>
                 <a:cs typeface="Courier New" panose="02070309020205020404" pitchFamily="49" charset="0"/>
               </a:rPr>
               <a:t>lts</a:t>
             </a:r>
-            <a:endParaRPr lang="de-DE" dirty="0">
+            <a:endParaRPr lang="de-DE" sz="1800" dirty="0">
               <a:latin typeface="Courier New" panose="02070309020205020404" pitchFamily="49" charset="0"/>
               <a:cs typeface="Courier New" panose="02070309020205020404" pitchFamily="49" charset="0"/>
             </a:endParaRPr>
@@ -4449,34 +4449,34 @@
               <a:buNone/>
             </a:pPr>
             <a:r>
-              <a:rPr lang="de-DE" dirty="0">
+              <a:rPr lang="de-DE" sz="1800" dirty="0">
                 <a:latin typeface="Courier New" panose="02070309020205020404" pitchFamily="49" charset="0"/>
                 <a:cs typeface="Courier New" panose="02070309020205020404" pitchFamily="49" charset="0"/>
               </a:rPr>
               <a:t>multipass launch --name worker2 --</a:t>
             </a:r>
             <a:r>
-              <a:rPr lang="de-DE" dirty="0" err="1">
+              <a:rPr lang="de-DE" sz="1800" dirty="0" err="1">
                 <a:latin typeface="Courier New" panose="02070309020205020404" pitchFamily="49" charset="0"/>
                 <a:cs typeface="Courier New" panose="02070309020205020404" pitchFamily="49" charset="0"/>
               </a:rPr>
               <a:t>cpus</a:t>
             </a:r>
             <a:r>
-              <a:rPr lang="de-DE" dirty="0">
+              <a:rPr lang="de-DE" sz="1800" dirty="0">
                 <a:latin typeface="Courier New" panose="02070309020205020404" pitchFamily="49" charset="0"/>
                 <a:cs typeface="Courier New" panose="02070309020205020404" pitchFamily="49" charset="0"/>
               </a:rPr>
               <a:t> 2 --memory 4G --disk 20G </a:t>
             </a:r>
             <a:r>
-              <a:rPr lang="de-DE" dirty="0" err="1">
+              <a:rPr lang="de-DE" sz="1800" dirty="0" err="1">
                 <a:latin typeface="Courier New" panose="02070309020205020404" pitchFamily="49" charset="0"/>
                 <a:cs typeface="Courier New" panose="02070309020205020404" pitchFamily="49" charset="0"/>
               </a:rPr>
               <a:t>lts</a:t>
             </a:r>
-            <a:endParaRPr lang="de-DE" dirty="0">
+            <a:endParaRPr lang="de-DE" sz="1800" dirty="0">
               <a:latin typeface="Courier New" panose="02070309020205020404" pitchFamily="49" charset="0"/>
               <a:cs typeface="Courier New" panose="02070309020205020404" pitchFamily="49" charset="0"/>
             </a:endParaRPr>
@@ -4486,48 +4486,48 @@
               <a:buNone/>
             </a:pPr>
             <a:r>
-              <a:rPr lang="de-DE" dirty="0">
+              <a:rPr lang="de-DE" sz="1800" dirty="0">
                 <a:latin typeface="Courier New" panose="02070309020205020404" pitchFamily="49" charset="0"/>
                 <a:cs typeface="Courier New" panose="02070309020205020404" pitchFamily="49" charset="0"/>
               </a:rPr>
               <a:t>multipass launch --name </a:t>
             </a:r>
             <a:r>
-              <a:rPr lang="de-DE" dirty="0" err="1">
+              <a:rPr lang="de-DE" sz="1800" dirty="0" err="1">
                 <a:latin typeface="Courier New" panose="02070309020205020404" pitchFamily="49" charset="0"/>
                 <a:cs typeface="Courier New" panose="02070309020205020404" pitchFamily="49" charset="0"/>
               </a:rPr>
               <a:t>db</a:t>
             </a:r>
             <a:r>
-              <a:rPr lang="de-DE" dirty="0">
+              <a:rPr lang="de-DE" sz="1800" dirty="0">
                 <a:latin typeface="Courier New" panose="02070309020205020404" pitchFamily="49" charset="0"/>
                 <a:cs typeface="Courier New" panose="02070309020205020404" pitchFamily="49" charset="0"/>
               </a:rPr>
               <a:t> --</a:t>
             </a:r>
             <a:r>
-              <a:rPr lang="de-DE" dirty="0" err="1">
+              <a:rPr lang="de-DE" sz="1800" dirty="0" err="1">
                 <a:latin typeface="Courier New" panose="02070309020205020404" pitchFamily="49" charset="0"/>
                 <a:cs typeface="Courier New" panose="02070309020205020404" pitchFamily="49" charset="0"/>
               </a:rPr>
               <a:t>cpus</a:t>
             </a:r>
             <a:r>
-              <a:rPr lang="de-DE" dirty="0">
+              <a:rPr lang="de-DE" sz="1800" dirty="0">
                 <a:latin typeface="Courier New" panose="02070309020205020404" pitchFamily="49" charset="0"/>
                 <a:cs typeface="Courier New" panose="02070309020205020404" pitchFamily="49" charset="0"/>
               </a:rPr>
               <a:t> 2 --memory 2G --disk 20G </a:t>
             </a:r>
             <a:r>
-              <a:rPr lang="de-DE" dirty="0" err="1">
+              <a:rPr lang="de-DE" sz="1800" dirty="0" err="1">
                 <a:latin typeface="Courier New" panose="02070309020205020404" pitchFamily="49" charset="0"/>
                 <a:cs typeface="Courier New" panose="02070309020205020404" pitchFamily="49" charset="0"/>
               </a:rPr>
               <a:t>lts</a:t>
             </a:r>
-            <a:endParaRPr lang="de-DE" dirty="0">
+            <a:endParaRPr lang="de-DE" sz="1800" dirty="0">
               <a:latin typeface="Courier New" panose="02070309020205020404" pitchFamily="49" charset="0"/>
               <a:cs typeface="Courier New" panose="02070309020205020404" pitchFamily="49" charset="0"/>
             </a:endParaRPr>
@@ -4662,34 +4662,34 @@
               <a:buNone/>
             </a:pPr>
             <a:r>
-              <a:rPr lang="de-DE" sz="2400" dirty="0">
+              <a:rPr lang="de-DE" sz="2000" dirty="0">
                 <a:latin typeface="Courier New" panose="02070309020205020404" pitchFamily="49" charset="0"/>
                 <a:cs typeface="Courier New" panose="02070309020205020404" pitchFamily="49" charset="0"/>
               </a:rPr>
               <a:t>	multipass </a:t>
             </a:r>
             <a:r>
-              <a:rPr lang="de-DE" sz="2400" dirty="0" err="1">
+              <a:rPr lang="de-DE" sz="2000" dirty="0" err="1">
                 <a:latin typeface="Courier New" panose="02070309020205020404" pitchFamily="49" charset="0"/>
                 <a:cs typeface="Courier New" panose="02070309020205020404" pitchFamily="49" charset="0"/>
               </a:rPr>
               <a:t>shell</a:t>
             </a:r>
             <a:r>
-              <a:rPr lang="de-DE" sz="2400" dirty="0">
+              <a:rPr lang="de-DE" sz="2000" dirty="0">
                 <a:latin typeface="Courier New" panose="02070309020205020404" pitchFamily="49" charset="0"/>
                 <a:cs typeface="Courier New" panose="02070309020205020404" pitchFamily="49" charset="0"/>
               </a:rPr>
               <a:t> </a:t>
             </a:r>
             <a:r>
-              <a:rPr lang="de-DE" sz="2400" dirty="0" err="1">
+              <a:rPr lang="de-DE" sz="2000" dirty="0" err="1">
                 <a:latin typeface="Courier New" panose="02070309020205020404" pitchFamily="49" charset="0"/>
                 <a:cs typeface="Courier New" panose="02070309020205020404" pitchFamily="49" charset="0"/>
               </a:rPr>
               <a:t>master</a:t>
             </a:r>
-            <a:endParaRPr lang="de-DE" sz="2400" dirty="0">
+            <a:endParaRPr lang="de-DE" sz="2000" dirty="0">
               <a:latin typeface="Courier New" panose="02070309020205020404" pitchFamily="49" charset="0"/>
               <a:cs typeface="Courier New" panose="02070309020205020404" pitchFamily="49" charset="0"/>
             </a:endParaRPr>
@@ -4699,49 +4699,49 @@
               <a:buNone/>
             </a:pPr>
             <a:r>
-              <a:rPr lang="de-DE" sz="2400" dirty="0">
+              <a:rPr lang="de-DE" sz="2000" dirty="0">
                 <a:latin typeface="Courier New" panose="02070309020205020404" pitchFamily="49" charset="0"/>
                 <a:cs typeface="Courier New" panose="02070309020205020404" pitchFamily="49" charset="0"/>
               </a:rPr>
               <a:t>	</a:t>
             </a:r>
             <a:r>
-              <a:rPr lang="de-DE" sz="2400" dirty="0" err="1">
+              <a:rPr lang="de-DE" sz="2000" dirty="0" err="1">
                 <a:latin typeface="Courier New" panose="02070309020205020404" pitchFamily="49" charset="0"/>
                 <a:cs typeface="Courier New" panose="02070309020205020404" pitchFamily="49" charset="0"/>
               </a:rPr>
               <a:t>sudo</a:t>
             </a:r>
             <a:r>
-              <a:rPr lang="de-DE" sz="2400" dirty="0">
+              <a:rPr lang="de-DE" sz="2000" dirty="0">
                 <a:latin typeface="Courier New" panose="02070309020205020404" pitchFamily="49" charset="0"/>
                 <a:cs typeface="Courier New" panose="02070309020205020404" pitchFamily="49" charset="0"/>
               </a:rPr>
               <a:t> </a:t>
             </a:r>
             <a:r>
-              <a:rPr lang="de-DE" sz="2400" dirty="0" err="1">
+              <a:rPr lang="de-DE" sz="2000" dirty="0" err="1">
                 <a:latin typeface="Courier New" panose="02070309020205020404" pitchFamily="49" charset="0"/>
                 <a:cs typeface="Courier New" panose="02070309020205020404" pitchFamily="49" charset="0"/>
               </a:rPr>
               <a:t>snap</a:t>
             </a:r>
             <a:r>
-              <a:rPr lang="de-DE" sz="2400" dirty="0">
+              <a:rPr lang="de-DE" sz="2000" dirty="0">
                 <a:latin typeface="Courier New" panose="02070309020205020404" pitchFamily="49" charset="0"/>
                 <a:cs typeface="Courier New" panose="02070309020205020404" pitchFamily="49" charset="0"/>
               </a:rPr>
               <a:t> </a:t>
             </a:r>
             <a:r>
-              <a:rPr lang="de-DE" sz="2400" dirty="0" err="1">
+              <a:rPr lang="de-DE" sz="2000" dirty="0" err="1">
                 <a:latin typeface="Courier New" panose="02070309020205020404" pitchFamily="49" charset="0"/>
                 <a:cs typeface="Courier New" panose="02070309020205020404" pitchFamily="49" charset="0"/>
               </a:rPr>
               <a:t>install</a:t>
             </a:r>
             <a:r>
-              <a:rPr lang="de-DE" sz="2400" dirty="0">
+              <a:rPr lang="de-DE" sz="2000" dirty="0">
                 <a:latin typeface="Courier New" panose="02070309020205020404" pitchFamily="49" charset="0"/>
                 <a:cs typeface="Courier New" panose="02070309020205020404" pitchFamily="49" charset="0"/>
               </a:rPr>
@@ -4753,35 +4753,35 @@
               <a:buNone/>
             </a:pPr>
             <a:r>
-              <a:rPr lang="de-DE" sz="2400" dirty="0">
+              <a:rPr lang="de-DE" sz="2000" dirty="0">
                 <a:latin typeface="Courier New" panose="02070309020205020404" pitchFamily="49" charset="0"/>
                 <a:cs typeface="Courier New" panose="02070309020205020404" pitchFamily="49" charset="0"/>
               </a:rPr>
               <a:t>	</a:t>
             </a:r>
             <a:r>
-              <a:rPr lang="de-DE" sz="2400" dirty="0" err="1">
+              <a:rPr lang="de-DE" sz="2000" dirty="0" err="1">
                 <a:latin typeface="Courier New" panose="02070309020205020404" pitchFamily="49" charset="0"/>
                 <a:cs typeface="Courier New" panose="02070309020205020404" pitchFamily="49" charset="0"/>
               </a:rPr>
               <a:t>sudo</a:t>
             </a:r>
             <a:r>
-              <a:rPr lang="de-DE" sz="2400" dirty="0">
+              <a:rPr lang="de-DE" sz="2000" dirty="0">
                 <a:latin typeface="Courier New" panose="02070309020205020404" pitchFamily="49" charset="0"/>
                 <a:cs typeface="Courier New" panose="02070309020205020404" pitchFamily="49" charset="0"/>
               </a:rPr>
               <a:t> </a:t>
             </a:r>
             <a:r>
-              <a:rPr lang="de-DE" sz="2400" dirty="0" err="1">
+              <a:rPr lang="de-DE" sz="2000" dirty="0" err="1">
                 <a:latin typeface="Courier New" panose="02070309020205020404" pitchFamily="49" charset="0"/>
                 <a:cs typeface="Courier New" panose="02070309020205020404" pitchFamily="49" charset="0"/>
               </a:rPr>
               <a:t>usermod</a:t>
             </a:r>
             <a:r>
-              <a:rPr lang="de-DE" sz="2400" dirty="0">
+              <a:rPr lang="de-DE" sz="2000" dirty="0">
                 <a:latin typeface="Courier New" panose="02070309020205020404" pitchFamily="49" charset="0"/>
                 <a:cs typeface="Courier New" panose="02070309020205020404" pitchFamily="49" charset="0"/>
               </a:rPr>
@@ -4793,35 +4793,35 @@
               <a:buNone/>
             </a:pPr>
             <a:r>
-              <a:rPr lang="de-DE" sz="2400" dirty="0">
+              <a:rPr lang="de-DE" sz="2000" dirty="0">
                 <a:latin typeface="Courier New" panose="02070309020205020404" pitchFamily="49" charset="0"/>
                 <a:cs typeface="Courier New" panose="02070309020205020404" pitchFamily="49" charset="0"/>
               </a:rPr>
               <a:t>	</a:t>
             </a:r>
             <a:r>
-              <a:rPr lang="de-DE" sz="2400" dirty="0" err="1">
+              <a:rPr lang="de-DE" sz="2000" dirty="0" err="1">
                 <a:latin typeface="Courier New" panose="02070309020205020404" pitchFamily="49" charset="0"/>
                 <a:cs typeface="Courier New" panose="02070309020205020404" pitchFamily="49" charset="0"/>
               </a:rPr>
               <a:t>sudo</a:t>
             </a:r>
             <a:r>
-              <a:rPr lang="de-DE" sz="2400" dirty="0">
+              <a:rPr lang="de-DE" sz="2000" dirty="0">
                 <a:latin typeface="Courier New" panose="02070309020205020404" pitchFamily="49" charset="0"/>
                 <a:cs typeface="Courier New" panose="02070309020205020404" pitchFamily="49" charset="0"/>
               </a:rPr>
               <a:t> </a:t>
             </a:r>
             <a:r>
-              <a:rPr lang="de-DE" sz="2400" dirty="0" err="1">
+              <a:rPr lang="de-DE" sz="2000" dirty="0" err="1">
                 <a:latin typeface="Courier New" panose="02070309020205020404" pitchFamily="49" charset="0"/>
                 <a:cs typeface="Courier New" panose="02070309020205020404" pitchFamily="49" charset="0"/>
               </a:rPr>
               <a:t>apt-get</a:t>
             </a:r>
             <a:r>
-              <a:rPr lang="de-DE" sz="2400" dirty="0">
+              <a:rPr lang="de-DE" sz="2000" dirty="0">
                 <a:latin typeface="Courier New" panose="02070309020205020404" pitchFamily="49" charset="0"/>
                 <a:cs typeface="Courier New" panose="02070309020205020404" pitchFamily="49" charset="0"/>
               </a:rPr>
@@ -4833,60 +4833,60 @@
               <a:buNone/>
             </a:pPr>
             <a:r>
-              <a:rPr lang="de-DE" sz="2400" dirty="0"/>
+              <a:rPr lang="de-DE" sz="2000" dirty="0"/>
               <a:t>	</a:t>
             </a:r>
             <a:r>
-              <a:rPr lang="de-DE" sz="2400" dirty="0" err="1">
+              <a:rPr lang="de-DE" sz="2000" dirty="0" err="1">
                 <a:latin typeface="Courier New" panose="02070309020205020404" pitchFamily="49" charset="0"/>
                 <a:cs typeface="Courier New" panose="02070309020205020404" pitchFamily="49" charset="0"/>
               </a:rPr>
               <a:t>sudo</a:t>
             </a:r>
             <a:r>
-              <a:rPr lang="de-DE" sz="2400" dirty="0">
+              <a:rPr lang="de-DE" sz="2000" dirty="0">
                 <a:latin typeface="Courier New" panose="02070309020205020404" pitchFamily="49" charset="0"/>
                 <a:cs typeface="Courier New" panose="02070309020205020404" pitchFamily="49" charset="0"/>
               </a:rPr>
               <a:t> </a:t>
             </a:r>
             <a:r>
-              <a:rPr lang="de-DE" sz="2400" dirty="0" err="1">
+              <a:rPr lang="de-DE" sz="2000" dirty="0" err="1">
                 <a:latin typeface="Courier New" panose="02070309020205020404" pitchFamily="49" charset="0"/>
                 <a:cs typeface="Courier New" panose="02070309020205020404" pitchFamily="49" charset="0"/>
               </a:rPr>
               <a:t>apt</a:t>
             </a:r>
             <a:r>
-              <a:rPr lang="de-DE" sz="2400" dirty="0">
+              <a:rPr lang="de-DE" sz="2000" dirty="0">
                 <a:latin typeface="Courier New" panose="02070309020205020404" pitchFamily="49" charset="0"/>
                 <a:cs typeface="Courier New" panose="02070309020205020404" pitchFamily="49" charset="0"/>
               </a:rPr>
               <a:t> </a:t>
             </a:r>
             <a:r>
-              <a:rPr lang="de-DE" sz="2400" dirty="0" err="1">
+              <a:rPr lang="de-DE" sz="2000" dirty="0" err="1">
                 <a:latin typeface="Courier New" panose="02070309020205020404" pitchFamily="49" charset="0"/>
                 <a:cs typeface="Courier New" panose="02070309020205020404" pitchFamily="49" charset="0"/>
               </a:rPr>
               <a:t>install</a:t>
             </a:r>
             <a:r>
-              <a:rPr lang="de-DE" sz="2400" dirty="0">
+              <a:rPr lang="de-DE" sz="2000" dirty="0">
                 <a:latin typeface="Courier New" panose="02070309020205020404" pitchFamily="49" charset="0"/>
                 <a:cs typeface="Courier New" panose="02070309020205020404" pitchFamily="49" charset="0"/>
               </a:rPr>
               <a:t> </a:t>
             </a:r>
             <a:r>
-              <a:rPr lang="de-DE" sz="2400" dirty="0" err="1">
+              <a:rPr lang="de-DE" sz="2000" dirty="0" err="1">
                 <a:latin typeface="Courier New" panose="02070309020205020404" pitchFamily="49" charset="0"/>
                 <a:cs typeface="Courier New" panose="02070309020205020404" pitchFamily="49" charset="0"/>
               </a:rPr>
               <a:t>maven</a:t>
             </a:r>
             <a:r>
-              <a:rPr lang="de-DE" sz="2400" dirty="0">
+              <a:rPr lang="de-DE" sz="2000" dirty="0">
                 <a:latin typeface="Courier New" panose="02070309020205020404" pitchFamily="49" charset="0"/>
                 <a:cs typeface="Courier New" panose="02070309020205020404" pitchFamily="49" charset="0"/>
               </a:rPr>
@@ -4898,62 +4898,62 @@
               <a:buNone/>
             </a:pPr>
             <a:r>
-              <a:rPr lang="de-DE" sz="2400" dirty="0">
+              <a:rPr lang="de-DE" sz="2000" dirty="0">
                 <a:latin typeface="Courier New" panose="02070309020205020404" pitchFamily="49" charset="0"/>
                 <a:cs typeface="Courier New" panose="02070309020205020404" pitchFamily="49" charset="0"/>
               </a:rPr>
               <a:t>	</a:t>
             </a:r>
             <a:r>
-              <a:rPr lang="de-DE" sz="2400" dirty="0" err="1">
+              <a:rPr lang="de-DE" sz="2000" dirty="0" err="1">
                 <a:latin typeface="Courier New" panose="02070309020205020404" pitchFamily="49" charset="0"/>
                 <a:cs typeface="Courier New" panose="02070309020205020404" pitchFamily="49" charset="0"/>
               </a:rPr>
               <a:t>sudo</a:t>
             </a:r>
             <a:r>
-              <a:rPr lang="de-DE" sz="2400" dirty="0">
+              <a:rPr lang="de-DE" sz="2000" dirty="0">
                 <a:latin typeface="Courier New" panose="02070309020205020404" pitchFamily="49" charset="0"/>
                 <a:cs typeface="Courier New" panose="02070309020205020404" pitchFamily="49" charset="0"/>
               </a:rPr>
               <a:t> </a:t>
             </a:r>
             <a:r>
-              <a:rPr lang="de-DE" sz="2400" dirty="0" err="1">
+              <a:rPr lang="de-DE" sz="2000" dirty="0" err="1">
                 <a:latin typeface="Courier New" panose="02070309020205020404" pitchFamily="49" charset="0"/>
                 <a:cs typeface="Courier New" panose="02070309020205020404" pitchFamily="49" charset="0"/>
               </a:rPr>
               <a:t>snap</a:t>
             </a:r>
             <a:r>
-              <a:rPr lang="de-DE" sz="2400" dirty="0">
+              <a:rPr lang="de-DE" sz="2000" dirty="0">
                 <a:latin typeface="Courier New" panose="02070309020205020404" pitchFamily="49" charset="0"/>
                 <a:cs typeface="Courier New" panose="02070309020205020404" pitchFamily="49" charset="0"/>
               </a:rPr>
               <a:t> </a:t>
             </a:r>
             <a:r>
-              <a:rPr lang="de-DE" sz="2400" dirty="0" err="1">
+              <a:rPr lang="de-DE" sz="2000" dirty="0" err="1">
                 <a:latin typeface="Courier New" panose="02070309020205020404" pitchFamily="49" charset="0"/>
                 <a:cs typeface="Courier New" panose="02070309020205020404" pitchFamily="49" charset="0"/>
               </a:rPr>
               <a:t>install</a:t>
             </a:r>
             <a:r>
-              <a:rPr lang="de-DE" sz="2400" dirty="0">
+              <a:rPr lang="de-DE" sz="2000" dirty="0">
                 <a:latin typeface="Courier New" panose="02070309020205020404" pitchFamily="49" charset="0"/>
                 <a:cs typeface="Courier New" panose="02070309020205020404" pitchFamily="49" charset="0"/>
               </a:rPr>
               <a:t> </a:t>
             </a:r>
             <a:r>
-              <a:rPr lang="de-DE" sz="2400" dirty="0" err="1">
+              <a:rPr lang="de-DE" sz="2000" dirty="0" err="1">
                 <a:latin typeface="Courier New" panose="02070309020205020404" pitchFamily="49" charset="0"/>
                 <a:cs typeface="Courier New" panose="02070309020205020404" pitchFamily="49" charset="0"/>
               </a:rPr>
               <a:t>docker</a:t>
             </a:r>
-            <a:endParaRPr lang="de-DE" sz="2400" dirty="0">
+            <a:endParaRPr lang="de-DE" sz="2000" dirty="0">
               <a:latin typeface="Courier New" panose="02070309020205020404" pitchFamily="49" charset="0"/>
               <a:cs typeface="Courier New" panose="02070309020205020404" pitchFamily="49" charset="0"/>
             </a:endParaRPr>
@@ -4963,48 +4963,48 @@
               <a:buNone/>
             </a:pPr>
             <a:r>
-              <a:rPr lang="de-DE" sz="2400" dirty="0">
+              <a:rPr lang="de-DE" sz="2000" dirty="0">
                 <a:latin typeface="Courier New" panose="02070309020205020404" pitchFamily="49" charset="0"/>
                 <a:cs typeface="Courier New" panose="02070309020205020404" pitchFamily="49" charset="0"/>
               </a:rPr>
               <a:t>	</a:t>
             </a:r>
             <a:r>
-              <a:rPr lang="de-DE" sz="2400" dirty="0" err="1">
+              <a:rPr lang="de-DE" sz="2000" dirty="0" err="1">
                 <a:latin typeface="Courier New" panose="02070309020205020404" pitchFamily="49" charset="0"/>
                 <a:cs typeface="Courier New" panose="02070309020205020404" pitchFamily="49" charset="0"/>
               </a:rPr>
               <a:t>sudo</a:t>
             </a:r>
             <a:r>
-              <a:rPr lang="de-DE" sz="2400" dirty="0">
+              <a:rPr lang="de-DE" sz="2000" dirty="0">
                 <a:latin typeface="Courier New" panose="02070309020205020404" pitchFamily="49" charset="0"/>
                 <a:cs typeface="Courier New" panose="02070309020205020404" pitchFamily="49" charset="0"/>
               </a:rPr>
               <a:t> </a:t>
             </a:r>
             <a:r>
-              <a:rPr lang="de-DE" sz="2400" dirty="0" err="1">
+              <a:rPr lang="de-DE" sz="2000" dirty="0" err="1">
                 <a:latin typeface="Courier New" panose="02070309020205020404" pitchFamily="49" charset="0"/>
                 <a:cs typeface="Courier New" panose="02070309020205020404" pitchFamily="49" charset="0"/>
               </a:rPr>
               <a:t>addgroup</a:t>
             </a:r>
             <a:r>
-              <a:rPr lang="de-DE" sz="2400" dirty="0">
+              <a:rPr lang="de-DE" sz="2000" dirty="0">
                 <a:latin typeface="Courier New" panose="02070309020205020404" pitchFamily="49" charset="0"/>
                 <a:cs typeface="Courier New" panose="02070309020205020404" pitchFamily="49" charset="0"/>
               </a:rPr>
               <a:t> --system </a:t>
             </a:r>
             <a:r>
-              <a:rPr lang="de-DE" sz="2400" dirty="0" err="1">
+              <a:rPr lang="de-DE" sz="2000" dirty="0" err="1">
                 <a:latin typeface="Courier New" panose="02070309020205020404" pitchFamily="49" charset="0"/>
                 <a:cs typeface="Courier New" panose="02070309020205020404" pitchFamily="49" charset="0"/>
               </a:rPr>
               <a:t>docker</a:t>
             </a:r>
-            <a:endParaRPr lang="de-DE" sz="2400" dirty="0">
+            <a:endParaRPr lang="de-DE" sz="2000" dirty="0">
               <a:latin typeface="Courier New" panose="02070309020205020404" pitchFamily="49" charset="0"/>
               <a:cs typeface="Courier New" panose="02070309020205020404" pitchFamily="49" charset="0"/>
             </a:endParaRPr>
@@ -5014,48 +5014,48 @@
               <a:buNone/>
             </a:pPr>
             <a:r>
-              <a:rPr lang="de-DE" sz="2400" dirty="0">
+              <a:rPr lang="de-DE" sz="2000" dirty="0">
                 <a:latin typeface="Courier New" panose="02070309020205020404" pitchFamily="49" charset="0"/>
                 <a:cs typeface="Courier New" panose="02070309020205020404" pitchFamily="49" charset="0"/>
               </a:rPr>
               <a:t>	</a:t>
             </a:r>
             <a:r>
-              <a:rPr lang="de-DE" sz="2400" dirty="0" err="1">
+              <a:rPr lang="de-DE" sz="2000" dirty="0" err="1">
                 <a:latin typeface="Courier New" panose="02070309020205020404" pitchFamily="49" charset="0"/>
                 <a:cs typeface="Courier New" panose="02070309020205020404" pitchFamily="49" charset="0"/>
               </a:rPr>
               <a:t>sudo</a:t>
             </a:r>
             <a:r>
-              <a:rPr lang="de-DE" sz="2400" dirty="0">
+              <a:rPr lang="de-DE" sz="2000" dirty="0">
                 <a:latin typeface="Courier New" panose="02070309020205020404" pitchFamily="49" charset="0"/>
                 <a:cs typeface="Courier New" panose="02070309020205020404" pitchFamily="49" charset="0"/>
               </a:rPr>
               <a:t> </a:t>
             </a:r>
             <a:r>
-              <a:rPr lang="de-DE" sz="2400" dirty="0" err="1">
+              <a:rPr lang="de-DE" sz="2000" dirty="0" err="1">
                 <a:latin typeface="Courier New" panose="02070309020205020404" pitchFamily="49" charset="0"/>
                 <a:cs typeface="Courier New" panose="02070309020205020404" pitchFamily="49" charset="0"/>
               </a:rPr>
               <a:t>adduser</a:t>
             </a:r>
             <a:r>
-              <a:rPr lang="de-DE" sz="2400" dirty="0">
+              <a:rPr lang="de-DE" sz="2000" dirty="0">
                 <a:latin typeface="Courier New" panose="02070309020205020404" pitchFamily="49" charset="0"/>
                 <a:cs typeface="Courier New" panose="02070309020205020404" pitchFamily="49" charset="0"/>
               </a:rPr>
               <a:t> $USER </a:t>
             </a:r>
             <a:r>
-              <a:rPr lang="de-DE" sz="2400" dirty="0" err="1">
+              <a:rPr lang="de-DE" sz="2000" dirty="0" err="1">
                 <a:latin typeface="Courier New" panose="02070309020205020404" pitchFamily="49" charset="0"/>
                 <a:cs typeface="Courier New" panose="02070309020205020404" pitchFamily="49" charset="0"/>
               </a:rPr>
               <a:t>docker</a:t>
             </a:r>
-            <a:endParaRPr lang="de-DE" sz="2400" dirty="0">
+            <a:endParaRPr lang="de-DE" sz="2000" dirty="0">
               <a:latin typeface="Courier New" panose="02070309020205020404" pitchFamily="49" charset="0"/>
               <a:cs typeface="Courier New" panose="02070309020205020404" pitchFamily="49" charset="0"/>
             </a:endParaRPr>
@@ -5065,48 +5065,88 @@
               <a:buNone/>
             </a:pPr>
             <a:r>
-              <a:rPr lang="de-DE" sz="2400" dirty="0">
+              <a:rPr lang="de-DE" sz="2000" dirty="0">
                 <a:latin typeface="Courier New" panose="02070309020205020404" pitchFamily="49" charset="0"/>
                 <a:cs typeface="Courier New" panose="02070309020205020404" pitchFamily="49" charset="0"/>
               </a:rPr>
               <a:t>	</a:t>
             </a:r>
             <a:r>
-              <a:rPr lang="de-DE" sz="2400" dirty="0" err="1">
+              <a:rPr lang="de-DE" sz="2000" dirty="0" err="1">
                 <a:latin typeface="Courier New" panose="02070309020205020404" pitchFamily="49" charset="0"/>
                 <a:cs typeface="Courier New" panose="02070309020205020404" pitchFamily="49" charset="0"/>
               </a:rPr>
               <a:t>sudo</a:t>
             </a:r>
             <a:r>
-              <a:rPr lang="de-DE" sz="2400" dirty="0">
+              <a:rPr lang="de-DE" sz="2000" dirty="0">
                 <a:latin typeface="Courier New" panose="02070309020205020404" pitchFamily="49" charset="0"/>
                 <a:cs typeface="Courier New" panose="02070309020205020404" pitchFamily="49" charset="0"/>
               </a:rPr>
               <a:t> </a:t>
             </a:r>
             <a:r>
-              <a:rPr lang="de-DE" sz="2400" dirty="0" err="1">
+              <a:rPr lang="de-DE" sz="2000" dirty="0" err="1">
+                <a:latin typeface="Courier New" panose="02070309020205020404" pitchFamily="49" charset="0"/>
+                <a:cs typeface="Courier New" panose="02070309020205020404" pitchFamily="49" charset="0"/>
+              </a:rPr>
+              <a:t>docker</a:t>
+            </a:r>
+            <a:r>
+              <a:rPr lang="de-DE" sz="2000" dirty="0">
+                <a:latin typeface="Courier New" panose="02070309020205020404" pitchFamily="49" charset="0"/>
+                <a:cs typeface="Courier New" panose="02070309020205020404" pitchFamily="49" charset="0"/>
+              </a:rPr>
+              <a:t> pull openjdk:17-slim-bullseye</a:t>
+            </a:r>
+          </a:p>
+          <a:p>
+            <a:pPr marL="0" indent="0">
+              <a:buNone/>
+            </a:pPr>
+            <a:r>
+              <a:rPr lang="de-DE" sz="2000" dirty="0">
+                <a:latin typeface="Courier New" panose="02070309020205020404" pitchFamily="49" charset="0"/>
+                <a:cs typeface="Courier New" panose="02070309020205020404" pitchFamily="49" charset="0"/>
+              </a:rPr>
+              <a:t>	</a:t>
+            </a:r>
+            <a:r>
+              <a:rPr lang="de-DE" sz="2000" dirty="0" err="1">
+                <a:latin typeface="Courier New" panose="02070309020205020404" pitchFamily="49" charset="0"/>
+                <a:cs typeface="Courier New" panose="02070309020205020404" pitchFamily="49" charset="0"/>
+              </a:rPr>
+              <a:t>sudo</a:t>
+            </a:r>
+            <a:r>
+              <a:rPr lang="de-DE" sz="2000" dirty="0">
+                <a:latin typeface="Courier New" panose="02070309020205020404" pitchFamily="49" charset="0"/>
+                <a:cs typeface="Courier New" panose="02070309020205020404" pitchFamily="49" charset="0"/>
+              </a:rPr>
+              <a:t> </a:t>
+            </a:r>
+            <a:r>
+              <a:rPr lang="de-DE" sz="2000" dirty="0" err="1">
                 <a:latin typeface="Courier New" panose="02070309020205020404" pitchFamily="49" charset="0"/>
                 <a:cs typeface="Courier New" panose="02070309020205020404" pitchFamily="49" charset="0"/>
               </a:rPr>
               <a:t>shutdown</a:t>
             </a:r>
             <a:r>
-              <a:rPr lang="de-DE" sz="2400" dirty="0">
+              <a:rPr lang="de-DE" sz="2000" dirty="0">
                 <a:latin typeface="Courier New" panose="02070309020205020404" pitchFamily="49" charset="0"/>
                 <a:cs typeface="Courier New" panose="02070309020205020404" pitchFamily="49" charset="0"/>
               </a:rPr>
               <a:t> -h </a:t>
             </a:r>
             <a:r>
-              <a:rPr lang="de-DE" sz="2400" dirty="0" err="1">
+              <a:rPr lang="de-DE" sz="2000" dirty="0" err="1">
                 <a:latin typeface="Courier New" panose="02070309020205020404" pitchFamily="49" charset="0"/>
                 <a:cs typeface="Courier New" panose="02070309020205020404" pitchFamily="49" charset="0"/>
               </a:rPr>
               <a:t>now</a:t>
             </a:r>
-            <a:endParaRPr lang="de-DE" sz="2400" dirty="0">
+            <a:endParaRPr lang="de-DE" sz="2000" dirty="0">
               <a:latin typeface="Courier New" panose="02070309020205020404" pitchFamily="49" charset="0"/>
               <a:cs typeface="Courier New" panose="02070309020205020404" pitchFamily="49" charset="0"/>
             </a:endParaRPr>
@@ -5219,25 +5259,25 @@
               <a:buNone/>
             </a:pPr>
             <a:r>
-              <a:rPr lang="de-DE" dirty="0"/>
+              <a:rPr lang="de-DE" sz="2000" dirty="0"/>
               <a:t>	</a:t>
             </a:r>
             <a:r>
-              <a:rPr lang="de-DE" sz="2400" dirty="0">
+              <a:rPr lang="de-DE" sz="2000" dirty="0">
                 <a:latin typeface="Courier New" panose="02070309020205020404" pitchFamily="49" charset="0"/>
                 <a:cs typeface="Courier New" panose="02070309020205020404" pitchFamily="49" charset="0"/>
               </a:rPr>
               <a:t>multipass </a:t>
             </a:r>
             <a:r>
-              <a:rPr lang="de-DE" sz="2400" dirty="0" err="1">
+              <a:rPr lang="de-DE" sz="2000" dirty="0" err="1">
                 <a:latin typeface="Courier New" panose="02070309020205020404" pitchFamily="49" charset="0"/>
                 <a:cs typeface="Courier New" panose="02070309020205020404" pitchFamily="49" charset="0"/>
               </a:rPr>
               <a:t>shell</a:t>
             </a:r>
             <a:r>
-              <a:rPr lang="de-DE" sz="2400" dirty="0">
+              <a:rPr lang="de-DE" sz="2000" dirty="0">
                 <a:latin typeface="Courier New" panose="02070309020205020404" pitchFamily="49" charset="0"/>
                 <a:cs typeface="Courier New" panose="02070309020205020404" pitchFamily="49" charset="0"/>
               </a:rPr>
@@ -5249,49 +5289,49 @@
               <a:buNone/>
             </a:pPr>
             <a:r>
-              <a:rPr lang="de-DE" sz="2400" dirty="0">
+              <a:rPr lang="de-DE" sz="2000" dirty="0">
                 <a:latin typeface="Courier New" panose="02070309020205020404" pitchFamily="49" charset="0"/>
                 <a:cs typeface="Courier New" panose="02070309020205020404" pitchFamily="49" charset="0"/>
               </a:rPr>
               <a:t>	</a:t>
             </a:r>
             <a:r>
-              <a:rPr lang="de-DE" sz="2400" dirty="0" err="1">
+              <a:rPr lang="de-DE" sz="2000" dirty="0" err="1">
                 <a:latin typeface="Courier New" panose="02070309020205020404" pitchFamily="49" charset="0"/>
                 <a:cs typeface="Courier New" panose="02070309020205020404" pitchFamily="49" charset="0"/>
               </a:rPr>
               <a:t>sudo</a:t>
             </a:r>
             <a:r>
-              <a:rPr lang="de-DE" sz="2400" dirty="0">
+              <a:rPr lang="de-DE" sz="2000" dirty="0">
                 <a:latin typeface="Courier New" panose="02070309020205020404" pitchFamily="49" charset="0"/>
                 <a:cs typeface="Courier New" panose="02070309020205020404" pitchFamily="49" charset="0"/>
               </a:rPr>
               <a:t> </a:t>
             </a:r>
             <a:r>
-              <a:rPr lang="de-DE" sz="2400" dirty="0" err="1">
+              <a:rPr lang="de-DE" sz="2000" dirty="0" err="1">
                 <a:latin typeface="Courier New" panose="02070309020205020404" pitchFamily="49" charset="0"/>
                 <a:cs typeface="Courier New" panose="02070309020205020404" pitchFamily="49" charset="0"/>
               </a:rPr>
               <a:t>snap</a:t>
             </a:r>
             <a:r>
-              <a:rPr lang="de-DE" sz="2400" dirty="0">
+              <a:rPr lang="de-DE" sz="2000" dirty="0">
                 <a:latin typeface="Courier New" panose="02070309020205020404" pitchFamily="49" charset="0"/>
                 <a:cs typeface="Courier New" panose="02070309020205020404" pitchFamily="49" charset="0"/>
               </a:rPr>
               <a:t> </a:t>
             </a:r>
             <a:r>
-              <a:rPr lang="de-DE" sz="2400" dirty="0" err="1">
+              <a:rPr lang="de-DE" sz="2000" dirty="0" err="1">
                 <a:latin typeface="Courier New" panose="02070309020205020404" pitchFamily="49" charset="0"/>
                 <a:cs typeface="Courier New" panose="02070309020205020404" pitchFamily="49" charset="0"/>
               </a:rPr>
               <a:t>install</a:t>
             </a:r>
             <a:r>
-              <a:rPr lang="de-DE" sz="2400" dirty="0">
+              <a:rPr lang="de-DE" sz="2000" dirty="0">
                 <a:latin typeface="Courier New" panose="02070309020205020404" pitchFamily="49" charset="0"/>
                 <a:cs typeface="Courier New" panose="02070309020205020404" pitchFamily="49" charset="0"/>
               </a:rPr>
@@ -5303,35 +5343,35 @@
               <a:buNone/>
             </a:pPr>
             <a:r>
-              <a:rPr lang="de-DE" sz="2400" dirty="0">
+              <a:rPr lang="de-DE" sz="2000" dirty="0">
                 <a:latin typeface="Courier New" panose="02070309020205020404" pitchFamily="49" charset="0"/>
                 <a:cs typeface="Courier New" panose="02070309020205020404" pitchFamily="49" charset="0"/>
               </a:rPr>
               <a:t>	</a:t>
             </a:r>
             <a:r>
-              <a:rPr lang="de-DE" sz="2400" dirty="0" err="1">
+              <a:rPr lang="de-DE" sz="2000" dirty="0" err="1">
                 <a:latin typeface="Courier New" panose="02070309020205020404" pitchFamily="49" charset="0"/>
                 <a:cs typeface="Courier New" panose="02070309020205020404" pitchFamily="49" charset="0"/>
               </a:rPr>
               <a:t>sudo</a:t>
             </a:r>
             <a:r>
-              <a:rPr lang="de-DE" sz="2400" dirty="0">
+              <a:rPr lang="de-DE" sz="2000" dirty="0">
                 <a:latin typeface="Courier New" panose="02070309020205020404" pitchFamily="49" charset="0"/>
                 <a:cs typeface="Courier New" panose="02070309020205020404" pitchFamily="49" charset="0"/>
               </a:rPr>
               <a:t> </a:t>
             </a:r>
             <a:r>
-              <a:rPr lang="de-DE" sz="2400" dirty="0" err="1">
+              <a:rPr lang="de-DE" sz="2000" dirty="0" err="1">
                 <a:latin typeface="Courier New" panose="02070309020205020404" pitchFamily="49" charset="0"/>
                 <a:cs typeface="Courier New" panose="02070309020205020404" pitchFamily="49" charset="0"/>
               </a:rPr>
               <a:t>usermod</a:t>
             </a:r>
             <a:r>
-              <a:rPr lang="de-DE" sz="2400" dirty="0">
+              <a:rPr lang="de-DE" sz="2000" dirty="0">
                 <a:latin typeface="Courier New" panose="02070309020205020404" pitchFamily="49" charset="0"/>
                 <a:cs typeface="Courier New" panose="02070309020205020404" pitchFamily="49" charset="0"/>
               </a:rPr>
@@ -5343,48 +5383,48 @@
               <a:buNone/>
             </a:pPr>
             <a:r>
-              <a:rPr lang="de-DE" sz="2400" dirty="0">
+              <a:rPr lang="de-DE" sz="2000" dirty="0">
                 <a:latin typeface="Courier New" panose="02070309020205020404" pitchFamily="49" charset="0"/>
                 <a:cs typeface="Courier New" panose="02070309020205020404" pitchFamily="49" charset="0"/>
               </a:rPr>
               <a:t>	</a:t>
             </a:r>
             <a:r>
-              <a:rPr lang="de-DE" sz="2400" dirty="0" err="1">
+              <a:rPr lang="de-DE" sz="2000" dirty="0" err="1">
                 <a:latin typeface="Courier New" panose="02070309020205020404" pitchFamily="49" charset="0"/>
                 <a:cs typeface="Courier New" panose="02070309020205020404" pitchFamily="49" charset="0"/>
               </a:rPr>
               <a:t>sudo</a:t>
             </a:r>
             <a:r>
-              <a:rPr lang="de-DE" sz="2400" dirty="0">
+              <a:rPr lang="de-DE" sz="2000" dirty="0">
                 <a:latin typeface="Courier New" panose="02070309020205020404" pitchFamily="49" charset="0"/>
                 <a:cs typeface="Courier New" panose="02070309020205020404" pitchFamily="49" charset="0"/>
               </a:rPr>
               <a:t> </a:t>
             </a:r>
             <a:r>
-              <a:rPr lang="de-DE" sz="2400" dirty="0" err="1">
+              <a:rPr lang="de-DE" sz="2000" dirty="0" err="1">
                 <a:latin typeface="Courier New" panose="02070309020205020404" pitchFamily="49" charset="0"/>
                 <a:cs typeface="Courier New" panose="02070309020205020404" pitchFamily="49" charset="0"/>
               </a:rPr>
               <a:t>shutdown</a:t>
             </a:r>
             <a:r>
-              <a:rPr lang="de-DE" sz="2400" dirty="0">
+              <a:rPr lang="de-DE" sz="2000" dirty="0">
                 <a:latin typeface="Courier New" panose="02070309020205020404" pitchFamily="49" charset="0"/>
                 <a:cs typeface="Courier New" panose="02070309020205020404" pitchFamily="49" charset="0"/>
               </a:rPr>
               <a:t> -h </a:t>
             </a:r>
             <a:r>
-              <a:rPr lang="de-DE" sz="2400" dirty="0" err="1">
+              <a:rPr lang="de-DE" sz="2000" dirty="0" err="1">
                 <a:latin typeface="Courier New" panose="02070309020205020404" pitchFamily="49" charset="0"/>
                 <a:cs typeface="Courier New" panose="02070309020205020404" pitchFamily="49" charset="0"/>
               </a:rPr>
               <a:t>now</a:t>
             </a:r>
-            <a:endParaRPr lang="de-DE" sz="2400" dirty="0">
+            <a:endParaRPr lang="de-DE" sz="2000" dirty="0">
               <a:latin typeface="Courier New" panose="02070309020205020404" pitchFamily="49" charset="0"/>
               <a:cs typeface="Courier New" panose="02070309020205020404" pitchFamily="49" charset="0"/>
             </a:endParaRPr>
@@ -5497,25 +5537,25 @@
               <a:buNone/>
             </a:pPr>
             <a:r>
-              <a:rPr lang="de-DE" dirty="0"/>
+              <a:rPr lang="de-DE" sz="2000" dirty="0"/>
               <a:t>	</a:t>
             </a:r>
             <a:r>
-              <a:rPr lang="de-DE" sz="2400" dirty="0">
+              <a:rPr lang="de-DE" sz="2000" dirty="0">
                 <a:latin typeface="Courier New" panose="02070309020205020404" pitchFamily="49" charset="0"/>
                 <a:cs typeface="Courier New" panose="02070309020205020404" pitchFamily="49" charset="0"/>
               </a:rPr>
               <a:t>multipass </a:t>
             </a:r>
             <a:r>
-              <a:rPr lang="de-DE" sz="2400" dirty="0" err="1">
+              <a:rPr lang="de-DE" sz="2000" dirty="0" err="1">
                 <a:latin typeface="Courier New" panose="02070309020205020404" pitchFamily="49" charset="0"/>
                 <a:cs typeface="Courier New" panose="02070309020205020404" pitchFamily="49" charset="0"/>
               </a:rPr>
               <a:t>shell</a:t>
             </a:r>
             <a:r>
-              <a:rPr lang="de-DE" sz="2400" dirty="0">
+              <a:rPr lang="de-DE" sz="2000" dirty="0">
                 <a:latin typeface="Courier New" panose="02070309020205020404" pitchFamily="49" charset="0"/>
                 <a:cs typeface="Courier New" panose="02070309020205020404" pitchFamily="49" charset="0"/>
               </a:rPr>
@@ -5527,49 +5567,49 @@
               <a:buNone/>
             </a:pPr>
             <a:r>
-              <a:rPr lang="de-DE" sz="2400" dirty="0">
+              <a:rPr lang="de-DE" sz="2000" dirty="0">
                 <a:latin typeface="Courier New" panose="02070309020205020404" pitchFamily="49" charset="0"/>
                 <a:cs typeface="Courier New" panose="02070309020205020404" pitchFamily="49" charset="0"/>
               </a:rPr>
               <a:t>	</a:t>
             </a:r>
             <a:r>
-              <a:rPr lang="de-DE" sz="2400" dirty="0" err="1">
+              <a:rPr lang="de-DE" sz="2000" dirty="0" err="1">
                 <a:latin typeface="Courier New" panose="02070309020205020404" pitchFamily="49" charset="0"/>
                 <a:cs typeface="Courier New" panose="02070309020205020404" pitchFamily="49" charset="0"/>
               </a:rPr>
               <a:t>sudo</a:t>
             </a:r>
             <a:r>
-              <a:rPr lang="de-DE" sz="2400" dirty="0">
+              <a:rPr lang="de-DE" sz="2000" dirty="0">
                 <a:latin typeface="Courier New" panose="02070309020205020404" pitchFamily="49" charset="0"/>
                 <a:cs typeface="Courier New" panose="02070309020205020404" pitchFamily="49" charset="0"/>
               </a:rPr>
               <a:t> </a:t>
             </a:r>
             <a:r>
-              <a:rPr lang="de-DE" sz="2400" dirty="0" err="1">
+              <a:rPr lang="de-DE" sz="2000" dirty="0" err="1">
                 <a:latin typeface="Courier New" panose="02070309020205020404" pitchFamily="49" charset="0"/>
                 <a:cs typeface="Courier New" panose="02070309020205020404" pitchFamily="49" charset="0"/>
               </a:rPr>
               <a:t>snap</a:t>
             </a:r>
             <a:r>
-              <a:rPr lang="de-DE" sz="2400" dirty="0">
+              <a:rPr lang="de-DE" sz="2000" dirty="0">
                 <a:latin typeface="Courier New" panose="02070309020205020404" pitchFamily="49" charset="0"/>
                 <a:cs typeface="Courier New" panose="02070309020205020404" pitchFamily="49" charset="0"/>
               </a:rPr>
               <a:t> </a:t>
             </a:r>
             <a:r>
-              <a:rPr lang="de-DE" sz="2400" dirty="0" err="1">
+              <a:rPr lang="de-DE" sz="2000" dirty="0" err="1">
                 <a:latin typeface="Courier New" panose="02070309020205020404" pitchFamily="49" charset="0"/>
                 <a:cs typeface="Courier New" panose="02070309020205020404" pitchFamily="49" charset="0"/>
               </a:rPr>
               <a:t>install</a:t>
             </a:r>
             <a:r>
-              <a:rPr lang="de-DE" sz="2400" dirty="0">
+              <a:rPr lang="de-DE" sz="2000" dirty="0">
                 <a:latin typeface="Courier New" panose="02070309020205020404" pitchFamily="49" charset="0"/>
                 <a:cs typeface="Courier New" panose="02070309020205020404" pitchFamily="49" charset="0"/>
               </a:rPr>
@@ -5581,35 +5621,35 @@
               <a:buNone/>
             </a:pPr>
             <a:r>
-              <a:rPr lang="de-DE" sz="2400" dirty="0">
+              <a:rPr lang="de-DE" sz="2000" dirty="0">
                 <a:latin typeface="Courier New" panose="02070309020205020404" pitchFamily="49" charset="0"/>
                 <a:cs typeface="Courier New" panose="02070309020205020404" pitchFamily="49" charset="0"/>
               </a:rPr>
               <a:t>	</a:t>
             </a:r>
             <a:r>
-              <a:rPr lang="de-DE" sz="2400" dirty="0" err="1">
+              <a:rPr lang="de-DE" sz="2000" dirty="0" err="1">
                 <a:latin typeface="Courier New" panose="02070309020205020404" pitchFamily="49" charset="0"/>
                 <a:cs typeface="Courier New" panose="02070309020205020404" pitchFamily="49" charset="0"/>
               </a:rPr>
               <a:t>sudo</a:t>
             </a:r>
             <a:r>
-              <a:rPr lang="de-DE" sz="2400" dirty="0">
+              <a:rPr lang="de-DE" sz="2000" dirty="0">
                 <a:latin typeface="Courier New" panose="02070309020205020404" pitchFamily="49" charset="0"/>
                 <a:cs typeface="Courier New" panose="02070309020205020404" pitchFamily="49" charset="0"/>
               </a:rPr>
               <a:t> </a:t>
             </a:r>
             <a:r>
-              <a:rPr lang="de-DE" sz="2400" dirty="0" err="1">
+              <a:rPr lang="de-DE" sz="2000" dirty="0" err="1">
                 <a:latin typeface="Courier New" panose="02070309020205020404" pitchFamily="49" charset="0"/>
                 <a:cs typeface="Courier New" panose="02070309020205020404" pitchFamily="49" charset="0"/>
               </a:rPr>
               <a:t>usermod</a:t>
             </a:r>
             <a:r>
-              <a:rPr lang="de-DE" sz="2400" dirty="0">
+              <a:rPr lang="de-DE" sz="2000" dirty="0">
                 <a:latin typeface="Courier New" panose="02070309020205020404" pitchFamily="49" charset="0"/>
                 <a:cs typeface="Courier New" panose="02070309020205020404" pitchFamily="49" charset="0"/>
               </a:rPr>
@@ -5621,48 +5661,48 @@
               <a:buNone/>
             </a:pPr>
             <a:r>
-              <a:rPr lang="de-DE" sz="2400" dirty="0">
+              <a:rPr lang="de-DE" sz="2000" dirty="0">
                 <a:latin typeface="Courier New" panose="02070309020205020404" pitchFamily="49" charset="0"/>
                 <a:cs typeface="Courier New" panose="02070309020205020404" pitchFamily="49" charset="0"/>
               </a:rPr>
               <a:t>	</a:t>
             </a:r>
             <a:r>
-              <a:rPr lang="de-DE" sz="2400" dirty="0" err="1">
+              <a:rPr lang="de-DE" sz="2000" dirty="0" err="1">
                 <a:latin typeface="Courier New" panose="02070309020205020404" pitchFamily="49" charset="0"/>
                 <a:cs typeface="Courier New" panose="02070309020205020404" pitchFamily="49" charset="0"/>
               </a:rPr>
               <a:t>sudo</a:t>
             </a:r>
             <a:r>
-              <a:rPr lang="de-DE" sz="2400" dirty="0">
+              <a:rPr lang="de-DE" sz="2000" dirty="0">
                 <a:latin typeface="Courier New" panose="02070309020205020404" pitchFamily="49" charset="0"/>
                 <a:cs typeface="Courier New" panose="02070309020205020404" pitchFamily="49" charset="0"/>
               </a:rPr>
               <a:t> </a:t>
             </a:r>
             <a:r>
-              <a:rPr lang="de-DE" sz="2400" dirty="0" err="1">
+              <a:rPr lang="de-DE" sz="2000" dirty="0" err="1">
                 <a:latin typeface="Courier New" panose="02070309020205020404" pitchFamily="49" charset="0"/>
                 <a:cs typeface="Courier New" panose="02070309020205020404" pitchFamily="49" charset="0"/>
               </a:rPr>
               <a:t>shutdown</a:t>
             </a:r>
             <a:r>
-              <a:rPr lang="de-DE" sz="2400" dirty="0">
+              <a:rPr lang="de-DE" sz="2000" dirty="0">
                 <a:latin typeface="Courier New" panose="02070309020205020404" pitchFamily="49" charset="0"/>
                 <a:cs typeface="Courier New" panose="02070309020205020404" pitchFamily="49" charset="0"/>
               </a:rPr>
               <a:t> -h </a:t>
             </a:r>
             <a:r>
-              <a:rPr lang="de-DE" sz="2400" dirty="0" err="1">
+              <a:rPr lang="de-DE" sz="2000" dirty="0" err="1">
                 <a:latin typeface="Courier New" panose="02070309020205020404" pitchFamily="49" charset="0"/>
                 <a:cs typeface="Courier New" panose="02070309020205020404" pitchFamily="49" charset="0"/>
               </a:rPr>
               <a:t>now</a:t>
             </a:r>
-            <a:endParaRPr lang="de-DE" sz="2400" dirty="0">
+            <a:endParaRPr lang="de-DE" sz="2000" dirty="0">
               <a:latin typeface="Courier New" panose="02070309020205020404" pitchFamily="49" charset="0"/>
               <a:cs typeface="Courier New" panose="02070309020205020404" pitchFamily="49" charset="0"/>
             </a:endParaRPr>
@@ -5743,7 +5783,12 @@
             <p:ph idx="1"/>
           </p:nvPr>
         </p:nvSpPr>
-        <p:spPr/>
+        <p:spPr>
+          <a:xfrm>
+            <a:off x="838200" y="1814195"/>
+            <a:ext cx="10515600" cy="4351338"/>
+          </a:xfrm>
+        </p:spPr>
         <p:txBody>
           <a:bodyPr>
             <a:normAutofit/>
@@ -5771,34 +5816,34 @@
               <a:buNone/>
             </a:pPr>
             <a:r>
-              <a:rPr lang="de-DE" sz="2400" dirty="0">
+              <a:rPr lang="de-DE" sz="2000" dirty="0">
                 <a:latin typeface="Courier New" panose="02070309020205020404" pitchFamily="49" charset="0"/>
                 <a:cs typeface="Courier New" panose="02070309020205020404" pitchFamily="49" charset="0"/>
               </a:rPr>
               <a:t>	multipass </a:t>
             </a:r>
             <a:r>
-              <a:rPr lang="de-DE" sz="2400" dirty="0" err="1">
+              <a:rPr lang="de-DE" sz="2000" dirty="0" err="1">
                 <a:latin typeface="Courier New" panose="02070309020205020404" pitchFamily="49" charset="0"/>
                 <a:cs typeface="Courier New" panose="02070309020205020404" pitchFamily="49" charset="0"/>
               </a:rPr>
               <a:t>shell</a:t>
             </a:r>
             <a:r>
-              <a:rPr lang="de-DE" sz="2400" dirty="0">
+              <a:rPr lang="de-DE" sz="2000" dirty="0">
                 <a:latin typeface="Courier New" panose="02070309020205020404" pitchFamily="49" charset="0"/>
                 <a:cs typeface="Courier New" panose="02070309020205020404" pitchFamily="49" charset="0"/>
               </a:rPr>
               <a:t> </a:t>
             </a:r>
             <a:r>
-              <a:rPr lang="de-DE" sz="2400" dirty="0" err="1">
+              <a:rPr lang="de-DE" sz="2000" dirty="0" err="1">
                 <a:latin typeface="Courier New" panose="02070309020205020404" pitchFamily="49" charset="0"/>
                 <a:cs typeface="Courier New" panose="02070309020205020404" pitchFamily="49" charset="0"/>
               </a:rPr>
               <a:t>master</a:t>
             </a:r>
-            <a:endParaRPr lang="de-DE" sz="2400" dirty="0">
+            <a:endParaRPr lang="de-DE" sz="2000" dirty="0">
               <a:latin typeface="Courier New" panose="02070309020205020404" pitchFamily="49" charset="0"/>
               <a:cs typeface="Courier New" panose="02070309020205020404" pitchFamily="49" charset="0"/>
             </a:endParaRPr>
@@ -5808,62 +5853,62 @@
               <a:buNone/>
             </a:pPr>
             <a:r>
-              <a:rPr lang="de-DE" sz="2400" dirty="0">
+              <a:rPr lang="de-DE" sz="2000" dirty="0">
                 <a:latin typeface="Courier New" panose="02070309020205020404" pitchFamily="49" charset="0"/>
                 <a:cs typeface="Courier New" panose="02070309020205020404" pitchFamily="49" charset="0"/>
               </a:rPr>
               <a:t>	</a:t>
             </a:r>
             <a:r>
-              <a:rPr lang="de-DE" sz="2400" dirty="0" err="1">
+              <a:rPr lang="de-DE" sz="2000" dirty="0" err="1">
                 <a:latin typeface="Courier New" panose="02070309020205020404" pitchFamily="49" charset="0"/>
                 <a:cs typeface="Courier New" panose="02070309020205020404" pitchFamily="49" charset="0"/>
               </a:rPr>
               <a:t>sudo</a:t>
             </a:r>
             <a:r>
-              <a:rPr lang="de-DE" sz="2400" dirty="0">
+              <a:rPr lang="de-DE" sz="2000" dirty="0">
                 <a:latin typeface="Courier New" panose="02070309020205020404" pitchFamily="49" charset="0"/>
                 <a:cs typeface="Courier New" panose="02070309020205020404" pitchFamily="49" charset="0"/>
               </a:rPr>
               <a:t> </a:t>
             </a:r>
             <a:r>
-              <a:rPr lang="de-DE" sz="2400" dirty="0" err="1">
+              <a:rPr lang="de-DE" sz="2000" dirty="0" err="1">
                 <a:latin typeface="Courier New" panose="02070309020205020404" pitchFamily="49" charset="0"/>
                 <a:cs typeface="Courier New" panose="02070309020205020404" pitchFamily="49" charset="0"/>
               </a:rPr>
               <a:t>snap</a:t>
             </a:r>
             <a:r>
-              <a:rPr lang="de-DE" sz="2400" dirty="0">
+              <a:rPr lang="de-DE" sz="2000" dirty="0">
                 <a:latin typeface="Courier New" panose="02070309020205020404" pitchFamily="49" charset="0"/>
                 <a:cs typeface="Courier New" panose="02070309020205020404" pitchFamily="49" charset="0"/>
               </a:rPr>
               <a:t> </a:t>
             </a:r>
             <a:r>
-              <a:rPr lang="de-DE" sz="2400" dirty="0" err="1">
+              <a:rPr lang="de-DE" sz="2000" dirty="0" err="1">
                 <a:latin typeface="Courier New" panose="02070309020205020404" pitchFamily="49" charset="0"/>
                 <a:cs typeface="Courier New" panose="02070309020205020404" pitchFamily="49" charset="0"/>
               </a:rPr>
               <a:t>install</a:t>
             </a:r>
             <a:r>
-              <a:rPr lang="de-DE" sz="2400" dirty="0">
+              <a:rPr lang="de-DE" sz="2000" dirty="0">
                 <a:latin typeface="Courier New" panose="02070309020205020404" pitchFamily="49" charset="0"/>
                 <a:cs typeface="Courier New" panose="02070309020205020404" pitchFamily="49" charset="0"/>
               </a:rPr>
               <a:t> </a:t>
             </a:r>
             <a:r>
-              <a:rPr lang="de-DE" sz="2400" dirty="0" err="1">
+              <a:rPr lang="de-DE" sz="2000" dirty="0" err="1">
                 <a:latin typeface="Courier New" panose="02070309020205020404" pitchFamily="49" charset="0"/>
                 <a:cs typeface="Courier New" panose="02070309020205020404" pitchFamily="49" charset="0"/>
               </a:rPr>
               <a:t>docker</a:t>
             </a:r>
-            <a:endParaRPr lang="de-DE" sz="2400" dirty="0">
+            <a:endParaRPr lang="de-DE" sz="2000" dirty="0">
               <a:latin typeface="Courier New" panose="02070309020205020404" pitchFamily="49" charset="0"/>
               <a:cs typeface="Courier New" panose="02070309020205020404" pitchFamily="49" charset="0"/>
             </a:endParaRPr>
@@ -5873,48 +5918,48 @@
               <a:buNone/>
             </a:pPr>
             <a:r>
-              <a:rPr lang="de-DE" sz="2400" dirty="0">
+              <a:rPr lang="de-DE" sz="2000" dirty="0">
                 <a:latin typeface="Courier New" panose="02070309020205020404" pitchFamily="49" charset="0"/>
                 <a:cs typeface="Courier New" panose="02070309020205020404" pitchFamily="49" charset="0"/>
               </a:rPr>
               <a:t>	</a:t>
             </a:r>
             <a:r>
-              <a:rPr lang="de-DE" sz="2400" dirty="0" err="1">
+              <a:rPr lang="de-DE" sz="2000" dirty="0" err="1">
                 <a:latin typeface="Courier New" panose="02070309020205020404" pitchFamily="49" charset="0"/>
                 <a:cs typeface="Courier New" panose="02070309020205020404" pitchFamily="49" charset="0"/>
               </a:rPr>
               <a:t>sudo</a:t>
             </a:r>
             <a:r>
-              <a:rPr lang="de-DE" sz="2400" dirty="0">
+              <a:rPr lang="de-DE" sz="2000" dirty="0">
                 <a:latin typeface="Courier New" panose="02070309020205020404" pitchFamily="49" charset="0"/>
                 <a:cs typeface="Courier New" panose="02070309020205020404" pitchFamily="49" charset="0"/>
               </a:rPr>
               <a:t> </a:t>
             </a:r>
             <a:r>
-              <a:rPr lang="de-DE" sz="2400" dirty="0" err="1">
+              <a:rPr lang="de-DE" sz="2000" dirty="0" err="1">
                 <a:latin typeface="Courier New" panose="02070309020205020404" pitchFamily="49" charset="0"/>
                 <a:cs typeface="Courier New" panose="02070309020205020404" pitchFamily="49" charset="0"/>
               </a:rPr>
               <a:t>addgroup</a:t>
             </a:r>
             <a:r>
-              <a:rPr lang="de-DE" sz="2400" dirty="0">
+              <a:rPr lang="de-DE" sz="2000" dirty="0">
                 <a:latin typeface="Courier New" panose="02070309020205020404" pitchFamily="49" charset="0"/>
                 <a:cs typeface="Courier New" panose="02070309020205020404" pitchFamily="49" charset="0"/>
               </a:rPr>
               <a:t> --system </a:t>
             </a:r>
             <a:r>
-              <a:rPr lang="de-DE" sz="2400" dirty="0" err="1">
+              <a:rPr lang="de-DE" sz="2000" dirty="0" err="1">
                 <a:latin typeface="Courier New" panose="02070309020205020404" pitchFamily="49" charset="0"/>
                 <a:cs typeface="Courier New" panose="02070309020205020404" pitchFamily="49" charset="0"/>
               </a:rPr>
               <a:t>docker</a:t>
             </a:r>
-            <a:endParaRPr lang="de-DE" sz="2400" dirty="0">
+            <a:endParaRPr lang="de-DE" sz="2000" dirty="0">
               <a:latin typeface="Courier New" panose="02070309020205020404" pitchFamily="49" charset="0"/>
               <a:cs typeface="Courier New" panose="02070309020205020404" pitchFamily="49" charset="0"/>
             </a:endParaRPr>
@@ -5924,48 +5969,48 @@
               <a:buNone/>
             </a:pPr>
             <a:r>
-              <a:rPr lang="de-DE" sz="2400" dirty="0">
+              <a:rPr lang="de-DE" sz="2000" dirty="0">
                 <a:latin typeface="Courier New" panose="02070309020205020404" pitchFamily="49" charset="0"/>
                 <a:cs typeface="Courier New" panose="02070309020205020404" pitchFamily="49" charset="0"/>
               </a:rPr>
               <a:t>	</a:t>
             </a:r>
             <a:r>
-              <a:rPr lang="de-DE" sz="2400" dirty="0" err="1">
+              <a:rPr lang="de-DE" sz="2000" dirty="0" err="1">
                 <a:latin typeface="Courier New" panose="02070309020205020404" pitchFamily="49" charset="0"/>
                 <a:cs typeface="Courier New" panose="02070309020205020404" pitchFamily="49" charset="0"/>
               </a:rPr>
               <a:t>sudo</a:t>
             </a:r>
             <a:r>
-              <a:rPr lang="de-DE" sz="2400" dirty="0">
+              <a:rPr lang="de-DE" sz="2000" dirty="0">
                 <a:latin typeface="Courier New" panose="02070309020205020404" pitchFamily="49" charset="0"/>
                 <a:cs typeface="Courier New" panose="02070309020205020404" pitchFamily="49" charset="0"/>
               </a:rPr>
               <a:t> </a:t>
             </a:r>
             <a:r>
-              <a:rPr lang="de-DE" sz="2400" dirty="0" err="1">
+              <a:rPr lang="de-DE" sz="2000" dirty="0" err="1">
                 <a:latin typeface="Courier New" panose="02070309020205020404" pitchFamily="49" charset="0"/>
                 <a:cs typeface="Courier New" panose="02070309020205020404" pitchFamily="49" charset="0"/>
               </a:rPr>
               <a:t>adduser</a:t>
             </a:r>
             <a:r>
-              <a:rPr lang="de-DE" sz="2400" dirty="0">
+              <a:rPr lang="de-DE" sz="2000" dirty="0">
                 <a:latin typeface="Courier New" panose="02070309020205020404" pitchFamily="49" charset="0"/>
                 <a:cs typeface="Courier New" panose="02070309020205020404" pitchFamily="49" charset="0"/>
               </a:rPr>
               <a:t> $USER </a:t>
             </a:r>
             <a:r>
-              <a:rPr lang="de-DE" sz="2400" dirty="0" err="1">
+              <a:rPr lang="de-DE" sz="2000" dirty="0" err="1">
                 <a:latin typeface="Courier New" panose="02070309020205020404" pitchFamily="49" charset="0"/>
                 <a:cs typeface="Courier New" panose="02070309020205020404" pitchFamily="49" charset="0"/>
               </a:rPr>
               <a:t>docker</a:t>
             </a:r>
-            <a:endParaRPr lang="de-DE" sz="2400" dirty="0">
+            <a:endParaRPr lang="de-DE" sz="2000" dirty="0">
               <a:latin typeface="Courier New" panose="02070309020205020404" pitchFamily="49" charset="0"/>
               <a:cs typeface="Courier New" panose="02070309020205020404" pitchFamily="49" charset="0"/>
             </a:endParaRPr>
@@ -5975,48 +6020,165 @@
               <a:buNone/>
             </a:pPr>
             <a:r>
-              <a:rPr lang="de-DE" sz="2400" dirty="0">
+              <a:rPr lang="de-DE" sz="2000" dirty="0">
                 <a:latin typeface="Courier New" panose="02070309020205020404" pitchFamily="49" charset="0"/>
                 <a:cs typeface="Courier New" panose="02070309020205020404" pitchFamily="49" charset="0"/>
               </a:rPr>
               <a:t>	</a:t>
             </a:r>
             <a:r>
-              <a:rPr lang="de-DE" sz="2400" dirty="0" err="1">
+              <a:rPr lang="de-DE" sz="2000" dirty="0" err="1">
                 <a:latin typeface="Courier New" panose="02070309020205020404" pitchFamily="49" charset="0"/>
                 <a:cs typeface="Courier New" panose="02070309020205020404" pitchFamily="49" charset="0"/>
               </a:rPr>
               <a:t>sudo</a:t>
             </a:r>
             <a:r>
-              <a:rPr lang="de-DE" sz="2400" dirty="0">
+              <a:rPr lang="de-DE" sz="2000" dirty="0">
                 <a:latin typeface="Courier New" panose="02070309020205020404" pitchFamily="49" charset="0"/>
                 <a:cs typeface="Courier New" panose="02070309020205020404" pitchFamily="49" charset="0"/>
               </a:rPr>
               <a:t> </a:t>
             </a:r>
             <a:r>
-              <a:rPr lang="de-DE" sz="2400" dirty="0" err="1">
+              <a:rPr lang="de-DE" sz="2000" dirty="0" err="1">
+                <a:latin typeface="Courier New" panose="02070309020205020404" pitchFamily="49" charset="0"/>
+                <a:cs typeface="Courier New" panose="02070309020205020404" pitchFamily="49" charset="0"/>
+              </a:rPr>
+              <a:t>docker</a:t>
+            </a:r>
+            <a:r>
+              <a:rPr lang="de-DE" sz="2000" dirty="0">
+                <a:latin typeface="Courier New" panose="02070309020205020404" pitchFamily="49" charset="0"/>
+                <a:cs typeface="Courier New" panose="02070309020205020404" pitchFamily="49" charset="0"/>
+              </a:rPr>
+              <a:t> pull </a:t>
+            </a:r>
+            <a:r>
+              <a:rPr lang="de-DE" sz="2000" dirty="0" err="1">
+                <a:latin typeface="Courier New" panose="02070309020205020404" pitchFamily="49" charset="0"/>
+                <a:cs typeface="Courier New" panose="02070309020205020404" pitchFamily="49" charset="0"/>
+              </a:rPr>
+              <a:t>quay.io</a:t>
+            </a:r>
+            <a:r>
+              <a:rPr lang="de-DE" sz="2000" dirty="0">
+                <a:latin typeface="Courier New" panose="02070309020205020404" pitchFamily="49" charset="0"/>
+                <a:cs typeface="Courier New" panose="02070309020205020404" pitchFamily="49" charset="0"/>
+              </a:rPr>
+              <a:t>/</a:t>
+            </a:r>
+            <a:r>
+              <a:rPr lang="de-DE" sz="2000" dirty="0" err="1">
+                <a:latin typeface="Courier New" panose="02070309020205020404" pitchFamily="49" charset="0"/>
+                <a:cs typeface="Courier New" panose="02070309020205020404" pitchFamily="49" charset="0"/>
+              </a:rPr>
+              <a:t>keycloak</a:t>
+            </a:r>
+            <a:r>
+              <a:rPr lang="de-DE" sz="2000" dirty="0">
+                <a:latin typeface="Courier New" panose="02070309020205020404" pitchFamily="49" charset="0"/>
+                <a:cs typeface="Courier New" panose="02070309020205020404" pitchFamily="49" charset="0"/>
+              </a:rPr>
+              <a:t>/keycloak:18.0.2-legacy</a:t>
+            </a:r>
+          </a:p>
+          <a:p>
+            <a:pPr marL="0" indent="0">
+              <a:buNone/>
+            </a:pPr>
+            <a:r>
+              <a:rPr lang="de-DE" sz="2000" dirty="0">
+                <a:latin typeface="Courier New" panose="02070309020205020404" pitchFamily="49" charset="0"/>
+                <a:cs typeface="Courier New" panose="02070309020205020404" pitchFamily="49" charset="0"/>
+              </a:rPr>
+              <a:t>	</a:t>
+            </a:r>
+            <a:r>
+              <a:rPr lang="de-DE" sz="2000" dirty="0" err="1">
+                <a:latin typeface="Courier New" panose="02070309020205020404" pitchFamily="49" charset="0"/>
+                <a:cs typeface="Courier New" panose="02070309020205020404" pitchFamily="49" charset="0"/>
+              </a:rPr>
+              <a:t>sudo</a:t>
+            </a:r>
+            <a:r>
+              <a:rPr lang="de-DE" sz="2000" dirty="0">
+                <a:latin typeface="Courier New" panose="02070309020205020404" pitchFamily="49" charset="0"/>
+                <a:cs typeface="Courier New" panose="02070309020205020404" pitchFamily="49" charset="0"/>
+              </a:rPr>
+              <a:t> </a:t>
+            </a:r>
+            <a:r>
+              <a:rPr lang="de-DE" sz="2000" dirty="0" err="1">
+                <a:latin typeface="Courier New" panose="02070309020205020404" pitchFamily="49" charset="0"/>
+                <a:cs typeface="Courier New" panose="02070309020205020404" pitchFamily="49" charset="0"/>
+              </a:rPr>
+              <a:t>docker</a:t>
+            </a:r>
+            <a:r>
+              <a:rPr lang="de-DE" sz="2000" dirty="0">
+                <a:latin typeface="Courier New" panose="02070309020205020404" pitchFamily="49" charset="0"/>
+                <a:cs typeface="Courier New" panose="02070309020205020404" pitchFamily="49" charset="0"/>
+              </a:rPr>
+              <a:t> pull postgres:15.1-bullseye</a:t>
+            </a:r>
+          </a:p>
+          <a:p>
+            <a:pPr marL="0" indent="0">
+              <a:buNone/>
+            </a:pPr>
+            <a:r>
+              <a:rPr lang="de-DE" sz="2000" dirty="0">
+                <a:latin typeface="Courier New" panose="02070309020205020404" pitchFamily="49" charset="0"/>
+                <a:cs typeface="Courier New" panose="02070309020205020404" pitchFamily="49" charset="0"/>
+              </a:rPr>
+              <a:t>	</a:t>
+            </a:r>
+            <a:r>
+              <a:rPr lang="de-DE" sz="2000" dirty="0" err="1">
+                <a:latin typeface="Courier New" panose="02070309020205020404" pitchFamily="49" charset="0"/>
+                <a:cs typeface="Courier New" panose="02070309020205020404" pitchFamily="49" charset="0"/>
+              </a:rPr>
+              <a:t>sudo</a:t>
+            </a:r>
+            <a:r>
+              <a:rPr lang="de-DE" sz="2000" dirty="0">
+                <a:latin typeface="Courier New" panose="02070309020205020404" pitchFamily="49" charset="0"/>
+                <a:cs typeface="Courier New" panose="02070309020205020404" pitchFamily="49" charset="0"/>
+              </a:rPr>
+              <a:t> </a:t>
+            </a:r>
+            <a:r>
+              <a:rPr lang="de-DE" sz="2000" dirty="0" err="1">
                 <a:latin typeface="Courier New" panose="02070309020205020404" pitchFamily="49" charset="0"/>
                 <a:cs typeface="Courier New" panose="02070309020205020404" pitchFamily="49" charset="0"/>
               </a:rPr>
               <a:t>shutdown</a:t>
             </a:r>
             <a:r>
-              <a:rPr lang="de-DE" sz="2400" dirty="0">
+              <a:rPr lang="de-DE" sz="2000" dirty="0">
                 <a:latin typeface="Courier New" panose="02070309020205020404" pitchFamily="49" charset="0"/>
                 <a:cs typeface="Courier New" panose="02070309020205020404" pitchFamily="49" charset="0"/>
               </a:rPr>
               <a:t> -h </a:t>
             </a:r>
             <a:r>
-              <a:rPr lang="de-DE" sz="2400" dirty="0" err="1">
+              <a:rPr lang="de-DE" sz="2000" dirty="0" err="1">
                 <a:latin typeface="Courier New" panose="02070309020205020404" pitchFamily="49" charset="0"/>
                 <a:cs typeface="Courier New" panose="02070309020205020404" pitchFamily="49" charset="0"/>
               </a:rPr>
               <a:t>now</a:t>
             </a:r>
-            <a:endParaRPr lang="de-DE" sz="2400" dirty="0">
+            <a:endParaRPr lang="de-DE" sz="2000" dirty="0">
+              <a:latin typeface="Courier New" panose="02070309020205020404" pitchFamily="49" charset="0"/>
+              <a:cs typeface="Courier New" panose="02070309020205020404" pitchFamily="49" charset="0"/>
+            </a:endParaRPr>
+          </a:p>
+          <a:p>
+            <a:pPr marL="0" indent="0">
+              <a:buNone/>
+            </a:pPr>
+            <a:endParaRPr lang="de-DE" sz="2000" dirty="0">
               <a:latin typeface="Courier New" panose="02070309020205020404" pitchFamily="49" charset="0"/>
               <a:cs typeface="Courier New" panose="02070309020205020404" pitchFamily="49" charset="0"/>
             </a:endParaRPr>

--- a/sample/kubernetes/Bring your own device - Vorbereitung.pptx
+++ b/sample/kubernetes/Bring your own device - Vorbereitung.pptx
@@ -5841,7 +5841,7 @@
                 <a:latin typeface="Courier New" panose="02070309020205020404" pitchFamily="49" charset="0"/>
                 <a:cs typeface="Courier New" panose="02070309020205020404" pitchFamily="49" charset="0"/>
               </a:rPr>
-              <a:t>master</a:t>
+              <a:t>db</a:t>
             </a:r>
             <a:endParaRPr lang="de-DE" sz="2000" dirty="0">
               <a:latin typeface="Courier New" panose="02070309020205020404" pitchFamily="49" charset="0"/>
